--- a/Supply Chain Analysis in Power BI/Dashboard Background Design.pptx
+++ b/Supply Chain Analysis in Power BI/Dashboard Background Design.pptx
@@ -6,6 +6,7 @@
   </p:sldMasterIdLst>
   <p:sldIdLst>
     <p:sldId id="256" r:id="rId2"/>
+    <p:sldId id="257" r:id="rId3"/>
   </p:sldIdLst>
   <p:sldSz cx="15049500" cy="6858000"/>
   <p:notesSz cx="6858000" cy="9144000"/>
@@ -104,6 +105,11 @@
       </a:defRPr>
     </a:lvl9pPr>
   </p:defaultTextStyle>
+  <p:extLst>
+    <p:ext uri="{EFAFB233-063F-42B5-8137-9DF3F51BA10A}">
+      <p15:sldGuideLst xmlns:p15="http://schemas.microsoft.com/office/powerpoint/2012/main"/>
+    </p:ext>
+  </p:extLst>
 </p:presentation>
 </file>
 
@@ -238,7 +244,7 @@
           <a:p>
             <a:fld id="{3DD42230-267C-431A-8169-41D027ABCFB4}" type="datetimeFigureOut">
               <a:rPr lang="en-US" smtClean="0"/>
-              <a:t>4/23/2025</a:t>
+              <a:t>4/29/2025</a:t>
             </a:fld>
             <a:endParaRPr lang="en-US"/>
           </a:p>
@@ -408,7 +414,7 @@
           <a:p>
             <a:fld id="{3DD42230-267C-431A-8169-41D027ABCFB4}" type="datetimeFigureOut">
               <a:rPr lang="en-US" smtClean="0"/>
-              <a:t>4/23/2025</a:t>
+              <a:t>4/29/2025</a:t>
             </a:fld>
             <a:endParaRPr lang="en-US"/>
           </a:p>
@@ -588,7 +594,7 @@
           <a:p>
             <a:fld id="{3DD42230-267C-431A-8169-41D027ABCFB4}" type="datetimeFigureOut">
               <a:rPr lang="en-US" smtClean="0"/>
-              <a:t>4/23/2025</a:t>
+              <a:t>4/29/2025</a:t>
             </a:fld>
             <a:endParaRPr lang="en-US"/>
           </a:p>
@@ -758,7 +764,7 @@
           <a:p>
             <a:fld id="{3DD42230-267C-431A-8169-41D027ABCFB4}" type="datetimeFigureOut">
               <a:rPr lang="en-US" smtClean="0"/>
-              <a:t>4/23/2025</a:t>
+              <a:t>4/29/2025</a:t>
             </a:fld>
             <a:endParaRPr lang="en-US"/>
           </a:p>
@@ -1004,7 +1010,7 @@
           <a:p>
             <a:fld id="{3DD42230-267C-431A-8169-41D027ABCFB4}" type="datetimeFigureOut">
               <a:rPr lang="en-US" smtClean="0"/>
-              <a:t>4/23/2025</a:t>
+              <a:t>4/29/2025</a:t>
             </a:fld>
             <a:endParaRPr lang="en-US"/>
           </a:p>
@@ -1236,7 +1242,7 @@
           <a:p>
             <a:fld id="{3DD42230-267C-431A-8169-41D027ABCFB4}" type="datetimeFigureOut">
               <a:rPr lang="en-US" smtClean="0"/>
-              <a:t>4/23/2025</a:t>
+              <a:t>4/29/2025</a:t>
             </a:fld>
             <a:endParaRPr lang="en-US"/>
           </a:p>
@@ -1603,7 +1609,7 @@
           <a:p>
             <a:fld id="{3DD42230-267C-431A-8169-41D027ABCFB4}" type="datetimeFigureOut">
               <a:rPr lang="en-US" smtClean="0"/>
-              <a:t>4/23/2025</a:t>
+              <a:t>4/29/2025</a:t>
             </a:fld>
             <a:endParaRPr lang="en-US"/>
           </a:p>
@@ -1721,7 +1727,7 @@
           <a:p>
             <a:fld id="{3DD42230-267C-431A-8169-41D027ABCFB4}" type="datetimeFigureOut">
               <a:rPr lang="en-US" smtClean="0"/>
-              <a:t>4/23/2025</a:t>
+              <a:t>4/29/2025</a:t>
             </a:fld>
             <a:endParaRPr lang="en-US"/>
           </a:p>
@@ -1816,7 +1822,7 @@
           <a:p>
             <a:fld id="{3DD42230-267C-431A-8169-41D027ABCFB4}" type="datetimeFigureOut">
               <a:rPr lang="en-US" smtClean="0"/>
-              <a:t>4/23/2025</a:t>
+              <a:t>4/29/2025</a:t>
             </a:fld>
             <a:endParaRPr lang="en-US"/>
           </a:p>
@@ -2093,7 +2099,7 @@
           <a:p>
             <a:fld id="{3DD42230-267C-431A-8169-41D027ABCFB4}" type="datetimeFigureOut">
               <a:rPr lang="en-US" smtClean="0"/>
-              <a:t>4/23/2025</a:t>
+              <a:t>4/29/2025</a:t>
             </a:fld>
             <a:endParaRPr lang="en-US"/>
           </a:p>
@@ -2350,7 +2356,7 @@
           <a:p>
             <a:fld id="{3DD42230-267C-431A-8169-41D027ABCFB4}" type="datetimeFigureOut">
               <a:rPr lang="en-US" smtClean="0"/>
-              <a:t>4/23/2025</a:t>
+              <a:t>4/29/2025</a:t>
             </a:fld>
             <a:endParaRPr lang="en-US"/>
           </a:p>
@@ -2563,7 +2569,7 @@
           <a:p>
             <a:fld id="{3DD42230-267C-431A-8169-41D027ABCFB4}" type="datetimeFigureOut">
               <a:rPr lang="en-US" smtClean="0"/>
-              <a:t>4/23/2025</a:t>
+              <a:t>4/29/2025</a:t>
             </a:fld>
             <a:endParaRPr lang="en-US"/>
           </a:p>
@@ -2982,8 +2988,8 @@
         </p:nvSpPr>
         <p:spPr>
           <a:xfrm>
-            <a:off x="-1177861" y="-536744"/>
-            <a:ext cx="17405221" cy="7931492"/>
+            <a:off x="0" y="4"/>
+            <a:ext cx="15049500" cy="6857996"/>
           </a:xfrm>
           <a:prstGeom prst="rect">
             <a:avLst/>
@@ -3036,8 +3042,8 @@
         </p:nvSpPr>
         <p:spPr>
           <a:xfrm>
-            <a:off x="-1012622" y="-348585"/>
-            <a:ext cx="17060351" cy="7555172"/>
+            <a:off x="141901" y="162695"/>
+            <a:ext cx="14751306" cy="6532612"/>
           </a:xfrm>
           <a:prstGeom prst="roundRect">
             <a:avLst>
@@ -3072,7 +3078,7 @@
           <a:lstStyle/>
           <a:p>
             <a:pPr algn="ctr"/>
-            <a:endParaRPr lang="en-US" sz="2082"/>
+            <a:endParaRPr lang="en-US" sz="2082" dirty="0"/>
           </a:p>
         </p:txBody>
       </p:sp>
@@ -3090,8 +3096,8 @@
         </p:nvSpPr>
         <p:spPr>
           <a:xfrm>
-            <a:off x="1445636" y="-150338"/>
-            <a:ext cx="14422465" cy="7139983"/>
+            <a:off x="2283442" y="332847"/>
+            <a:ext cx="12470446" cy="6173614"/>
           </a:xfrm>
           <a:prstGeom prst="roundRect">
             <a:avLst>
@@ -3144,8 +3150,8 @@
         </p:nvSpPr>
         <p:spPr>
           <a:xfrm>
-            <a:off x="1758441" y="87276"/>
-            <a:ext cx="2115065" cy="1436191"/>
+            <a:off x="2538360" y="470693"/>
+            <a:ext cx="1840536" cy="1249776"/>
           </a:xfrm>
           <a:prstGeom prst="roundRect">
             <a:avLst/>
@@ -3203,8 +3209,8 @@
         </p:nvSpPr>
         <p:spPr>
           <a:xfrm>
-            <a:off x="4114806" y="87275"/>
-            <a:ext cx="2115065" cy="1436191"/>
+            <a:off x="4586269" y="470693"/>
+            <a:ext cx="1840536" cy="1249776"/>
           </a:xfrm>
           <a:prstGeom prst="roundRect">
             <a:avLst/>
@@ -3262,8 +3268,8 @@
         </p:nvSpPr>
         <p:spPr>
           <a:xfrm>
-            <a:off x="6471171" y="87275"/>
-            <a:ext cx="2115065" cy="1436191"/>
+            <a:off x="6634178" y="470693"/>
+            <a:ext cx="1840536" cy="1249776"/>
           </a:xfrm>
           <a:prstGeom prst="roundRect">
             <a:avLst/>
@@ -3321,8 +3327,8 @@
         </p:nvSpPr>
         <p:spPr>
           <a:xfrm>
-            <a:off x="8827536" y="87274"/>
-            <a:ext cx="2115065" cy="1436191"/>
+            <a:off x="8682087" y="470693"/>
+            <a:ext cx="1840536" cy="1249776"/>
           </a:xfrm>
           <a:prstGeom prst="roundRect">
             <a:avLst/>
@@ -3380,8 +3386,8 @@
         </p:nvSpPr>
         <p:spPr>
           <a:xfrm>
-            <a:off x="11183900" y="87273"/>
-            <a:ext cx="2115065" cy="1436191"/>
+            <a:off x="10729996" y="470693"/>
+            <a:ext cx="1840536" cy="1249776"/>
           </a:xfrm>
           <a:prstGeom prst="roundRect">
             <a:avLst/>
@@ -3439,8 +3445,8 @@
         </p:nvSpPr>
         <p:spPr>
           <a:xfrm>
-            <a:off x="13540265" y="87272"/>
-            <a:ext cx="2115065" cy="1436191"/>
+            <a:off x="12777904" y="470693"/>
+            <a:ext cx="1840536" cy="1249776"/>
           </a:xfrm>
           <a:prstGeom prst="roundRect">
             <a:avLst/>
@@ -3498,8 +3504,8 @@
         </p:nvSpPr>
         <p:spPr>
           <a:xfrm>
-            <a:off x="1758440" y="1732171"/>
-            <a:ext cx="6827795" cy="2406217"/>
+            <a:off x="2538360" y="1895008"/>
+            <a:ext cx="5936354" cy="1928820"/>
           </a:xfrm>
           <a:prstGeom prst="roundRect">
             <a:avLst>
@@ -3559,8 +3565,8 @@
         </p:nvSpPr>
         <p:spPr>
           <a:xfrm>
-            <a:off x="8827535" y="1721709"/>
-            <a:ext cx="6827795" cy="2406217"/>
+            <a:off x="8682088" y="1884546"/>
+            <a:ext cx="5942456" cy="1928820"/>
           </a:xfrm>
           <a:prstGeom prst="roundRect">
             <a:avLst>
@@ -3620,8 +3626,8 @@
         </p:nvSpPr>
         <p:spPr>
           <a:xfrm>
-            <a:off x="1758440" y="4326546"/>
-            <a:ext cx="6827795" cy="2406217"/>
+            <a:off x="2538360" y="3993980"/>
+            <a:ext cx="5936354" cy="2424223"/>
           </a:xfrm>
           <a:prstGeom prst="roundRect">
             <a:avLst>
@@ -3681,8 +3687,8 @@
         </p:nvSpPr>
         <p:spPr>
           <a:xfrm>
-            <a:off x="8827535" y="4316084"/>
-            <a:ext cx="6827795" cy="2406217"/>
+            <a:off x="8729633" y="3993980"/>
+            <a:ext cx="5888808" cy="2424223"/>
           </a:xfrm>
           <a:prstGeom prst="roundRect">
             <a:avLst>
@@ -3742,8 +3748,8 @@
         </p:nvSpPr>
         <p:spPr>
           <a:xfrm>
-            <a:off x="-688573" y="1903714"/>
-            <a:ext cx="1810162" cy="526003"/>
+            <a:off x="431059" y="1939312"/>
+            <a:ext cx="1565164" cy="454808"/>
           </a:xfrm>
           <a:prstGeom prst="roundRect">
             <a:avLst/>
@@ -3813,8 +3819,8 @@
         </p:nvSpPr>
         <p:spPr>
           <a:xfrm>
-            <a:off x="-688575" y="2617876"/>
-            <a:ext cx="1810162" cy="526003"/>
+            <a:off x="431057" y="2653474"/>
+            <a:ext cx="1565164" cy="454808"/>
           </a:xfrm>
           <a:prstGeom prst="roundRect">
             <a:avLst/>
@@ -3870,8 +3876,8 @@
         </p:nvSpPr>
         <p:spPr>
           <a:xfrm>
-            <a:off x="-688576" y="3332039"/>
-            <a:ext cx="1810162" cy="526003"/>
+            <a:off x="431056" y="3367637"/>
+            <a:ext cx="1565164" cy="454808"/>
           </a:xfrm>
           <a:prstGeom prst="roundRect">
             <a:avLst/>
@@ -3927,8 +3933,8 @@
         </p:nvSpPr>
         <p:spPr>
           <a:xfrm>
-            <a:off x="-688577" y="4053082"/>
-            <a:ext cx="1810162" cy="526003"/>
+            <a:off x="431055" y="4088680"/>
+            <a:ext cx="1565164" cy="454808"/>
           </a:xfrm>
           <a:prstGeom prst="roundRect">
             <a:avLst/>
@@ -3999,8 +4005,8 @@
         </p:blipFill>
         <p:spPr>
           <a:xfrm>
-            <a:off x="-559856" y="-25295"/>
-            <a:ext cx="1552718" cy="1552718"/>
+            <a:off x="498488" y="334868"/>
+            <a:ext cx="1430298" cy="1430298"/>
           </a:xfrm>
           <a:prstGeom prst="rect">
             <a:avLst/>
@@ -4011,6 +4017,1006 @@
     <p:extLst>
       <p:ext uri="{BB962C8B-B14F-4D97-AF65-F5344CB8AC3E}">
         <p14:creationId xmlns:p14="http://schemas.microsoft.com/office/powerpoint/2010/main" val="1141237538"/>
+      </p:ext>
+    </p:extLst>
+  </p:cSld>
+  <p:clrMapOvr>
+    <a:masterClrMapping/>
+  </p:clrMapOvr>
+</p:sld>
+</file>
+
+<file path=ppt/slides/slide2.xml><?xml version="1.0" encoding="utf-8"?>
+<p:sld xmlns:a="http://schemas.openxmlformats.org/drawingml/2006/main" xmlns:r="http://schemas.openxmlformats.org/officeDocument/2006/relationships" xmlns:p="http://schemas.openxmlformats.org/presentationml/2006/main">
+  <p:cSld>
+    <p:spTree>
+      <p:nvGrpSpPr>
+        <p:cNvPr id="1" name="">
+          <a:extLst>
+            <a:ext uri="{FF2B5EF4-FFF2-40B4-BE49-F238E27FC236}">
+              <a16:creationId xmlns:a16="http://schemas.microsoft.com/office/drawing/2014/main" id="{2BF5C37E-D802-B4B6-3D0F-0202DDF78A74}"/>
+            </a:ext>
+          </a:extLst>
+        </p:cNvPr>
+        <p:cNvGrpSpPr/>
+        <p:nvPr/>
+      </p:nvGrpSpPr>
+      <p:grpSpPr>
+        <a:xfrm>
+          <a:off x="0" y="0"/>
+          <a:ext cx="0" cy="0"/>
+          <a:chOff x="0" y="0"/>
+          <a:chExt cx="0" cy="0"/>
+        </a:xfrm>
+      </p:grpSpPr>
+      <p:sp>
+        <p:nvSpPr>
+          <p:cNvPr id="4" name="Rectangle 3">
+            <a:extLst>
+              <a:ext uri="{FF2B5EF4-FFF2-40B4-BE49-F238E27FC236}">
+                <a16:creationId xmlns:a16="http://schemas.microsoft.com/office/drawing/2014/main" id="{F197A22B-B338-CA53-CB6F-EB56BCFA699A}"/>
+              </a:ext>
+            </a:extLst>
+          </p:cNvPr>
+          <p:cNvSpPr/>
+          <p:nvPr/>
+        </p:nvSpPr>
+        <p:spPr>
+          <a:xfrm>
+            <a:off x="0" y="4"/>
+            <a:ext cx="15049500" cy="6857996"/>
+          </a:xfrm>
+          <a:prstGeom prst="rect">
+            <a:avLst/>
+          </a:prstGeom>
+          <a:solidFill>
+            <a:schemeClr val="bg1">
+              <a:lumMod val="95000"/>
+            </a:schemeClr>
+          </a:solidFill>
+          <a:ln>
+            <a:noFill/>
+          </a:ln>
+        </p:spPr>
+        <p:style>
+          <a:lnRef idx="2">
+            <a:schemeClr val="accent1">
+              <a:shade val="15000"/>
+            </a:schemeClr>
+          </a:lnRef>
+          <a:fillRef idx="1">
+            <a:schemeClr val="accent1"/>
+          </a:fillRef>
+          <a:effectRef idx="0">
+            <a:schemeClr val="accent1"/>
+          </a:effectRef>
+          <a:fontRef idx="minor">
+            <a:schemeClr val="lt1"/>
+          </a:fontRef>
+        </p:style>
+        <p:txBody>
+          <a:bodyPr rtlCol="0" anchor="ctr"/>
+          <a:lstStyle/>
+          <a:p>
+            <a:pPr algn="ctr"/>
+            <a:endParaRPr lang="en-US" sz="2082"/>
+          </a:p>
+        </p:txBody>
+      </p:sp>
+      <p:sp>
+        <p:nvSpPr>
+          <p:cNvPr id="5" name="Rectangle: Rounded Corners 4">
+            <a:extLst>
+              <a:ext uri="{FF2B5EF4-FFF2-40B4-BE49-F238E27FC236}">
+                <a16:creationId xmlns:a16="http://schemas.microsoft.com/office/drawing/2014/main" id="{CFDC493E-3EE9-615A-ED8F-0EA5D95866A8}"/>
+              </a:ext>
+            </a:extLst>
+          </p:cNvPr>
+          <p:cNvSpPr/>
+          <p:nvPr/>
+        </p:nvSpPr>
+        <p:spPr>
+          <a:xfrm>
+            <a:off x="141901" y="162695"/>
+            <a:ext cx="14751306" cy="6532612"/>
+          </a:xfrm>
+          <a:prstGeom prst="roundRect">
+            <a:avLst>
+              <a:gd name="adj" fmla="val 4677"/>
+            </a:avLst>
+          </a:prstGeom>
+          <a:solidFill>
+            <a:schemeClr val="tx1">
+              <a:lumMod val="85000"/>
+              <a:lumOff val="15000"/>
+            </a:schemeClr>
+          </a:solidFill>
+        </p:spPr>
+        <p:style>
+          <a:lnRef idx="2">
+            <a:schemeClr val="accent1">
+              <a:shade val="15000"/>
+            </a:schemeClr>
+          </a:lnRef>
+          <a:fillRef idx="1">
+            <a:schemeClr val="accent1"/>
+          </a:fillRef>
+          <a:effectRef idx="0">
+            <a:schemeClr val="accent1"/>
+          </a:effectRef>
+          <a:fontRef idx="minor">
+            <a:schemeClr val="lt1"/>
+          </a:fontRef>
+        </p:style>
+        <p:txBody>
+          <a:bodyPr rtlCol="0" anchor="ctr"/>
+          <a:lstStyle/>
+          <a:p>
+            <a:pPr algn="ctr"/>
+            <a:endParaRPr lang="en-US" sz="2082" dirty="0"/>
+          </a:p>
+        </p:txBody>
+      </p:sp>
+      <p:sp>
+        <p:nvSpPr>
+          <p:cNvPr id="10" name="Rectangle: Rounded Corners 9">
+            <a:extLst>
+              <a:ext uri="{FF2B5EF4-FFF2-40B4-BE49-F238E27FC236}">
+                <a16:creationId xmlns:a16="http://schemas.microsoft.com/office/drawing/2014/main" id="{7383505E-6FF0-74B0-015C-6114C065FA0C}"/>
+              </a:ext>
+            </a:extLst>
+          </p:cNvPr>
+          <p:cNvSpPr/>
+          <p:nvPr/>
+        </p:nvSpPr>
+        <p:spPr>
+          <a:xfrm>
+            <a:off x="2283442" y="332847"/>
+            <a:ext cx="12470446" cy="6173614"/>
+          </a:xfrm>
+          <a:prstGeom prst="roundRect">
+            <a:avLst>
+              <a:gd name="adj" fmla="val 4677"/>
+            </a:avLst>
+          </a:prstGeom>
+          <a:solidFill>
+            <a:schemeClr val="bg1">
+              <a:lumMod val="95000"/>
+            </a:schemeClr>
+          </a:solidFill>
+          <a:ln>
+            <a:noFill/>
+          </a:ln>
+        </p:spPr>
+        <p:style>
+          <a:lnRef idx="2">
+            <a:schemeClr val="accent6"/>
+          </a:lnRef>
+          <a:fillRef idx="1">
+            <a:schemeClr val="lt1"/>
+          </a:fillRef>
+          <a:effectRef idx="0">
+            <a:schemeClr val="accent6"/>
+          </a:effectRef>
+          <a:fontRef idx="minor">
+            <a:schemeClr val="dk1"/>
+          </a:fontRef>
+        </p:style>
+        <p:txBody>
+          <a:bodyPr rtlCol="0" anchor="ctr"/>
+          <a:lstStyle/>
+          <a:p>
+            <a:pPr algn="ctr"/>
+            <a:endParaRPr lang="en-US" sz="2082"/>
+          </a:p>
+        </p:txBody>
+      </p:sp>
+      <p:sp>
+        <p:nvSpPr>
+          <p:cNvPr id="11" name="Rectangle: Rounded Corners 10">
+            <a:extLst>
+              <a:ext uri="{FF2B5EF4-FFF2-40B4-BE49-F238E27FC236}">
+                <a16:creationId xmlns:a16="http://schemas.microsoft.com/office/drawing/2014/main" id="{CE6E9FED-E4BB-EB35-7FA6-74B4532F8AE3}"/>
+              </a:ext>
+            </a:extLst>
+          </p:cNvPr>
+          <p:cNvSpPr/>
+          <p:nvPr/>
+        </p:nvSpPr>
+        <p:spPr>
+          <a:xfrm>
+            <a:off x="2538360" y="465422"/>
+            <a:ext cx="1840536" cy="1249776"/>
+          </a:xfrm>
+          <a:prstGeom prst="roundRect">
+            <a:avLst/>
+          </a:prstGeom>
+          <a:solidFill>
+            <a:schemeClr val="bg1"/>
+          </a:solidFill>
+          <a:ln>
+            <a:noFill/>
+          </a:ln>
+          <a:effectLst>
+            <a:outerShdw blurRad="63500" sx="102000" sy="102000" algn="ctr" rotWithShape="0">
+              <a:prstClr val="black">
+                <a:alpha val="10000"/>
+              </a:prstClr>
+            </a:outerShdw>
+          </a:effectLst>
+        </p:spPr>
+        <p:style>
+          <a:lnRef idx="2">
+            <a:schemeClr val="accent1">
+              <a:shade val="15000"/>
+            </a:schemeClr>
+          </a:lnRef>
+          <a:fillRef idx="1">
+            <a:schemeClr val="accent1"/>
+          </a:fillRef>
+          <a:effectRef idx="0">
+            <a:schemeClr val="accent1"/>
+          </a:effectRef>
+          <a:fontRef idx="minor">
+            <a:schemeClr val="lt1"/>
+          </a:fontRef>
+        </p:style>
+        <p:txBody>
+          <a:bodyPr rtlCol="0" anchor="ctr"/>
+          <a:lstStyle/>
+          <a:p>
+            <a:pPr algn="ctr"/>
+            <a:endParaRPr lang="en-US" sz="2082"/>
+          </a:p>
+        </p:txBody>
+      </p:sp>
+      <p:sp>
+        <p:nvSpPr>
+          <p:cNvPr id="31" name="Rectangle: Rounded Corners 30">
+            <a:extLst>
+              <a:ext uri="{FF2B5EF4-FFF2-40B4-BE49-F238E27FC236}">
+                <a16:creationId xmlns:a16="http://schemas.microsoft.com/office/drawing/2014/main" id="{BB596306-BA5B-E85B-009C-F89714F745CC}"/>
+              </a:ext>
+            </a:extLst>
+          </p:cNvPr>
+          <p:cNvSpPr/>
+          <p:nvPr/>
+        </p:nvSpPr>
+        <p:spPr>
+          <a:xfrm>
+            <a:off x="4586269" y="467649"/>
+            <a:ext cx="1840536" cy="1249776"/>
+          </a:xfrm>
+          <a:prstGeom prst="roundRect">
+            <a:avLst/>
+          </a:prstGeom>
+          <a:solidFill>
+            <a:schemeClr val="bg1"/>
+          </a:solidFill>
+          <a:ln>
+            <a:noFill/>
+          </a:ln>
+          <a:effectLst>
+            <a:outerShdw blurRad="63500" sx="102000" sy="102000" algn="ctr" rotWithShape="0">
+              <a:prstClr val="black">
+                <a:alpha val="10000"/>
+              </a:prstClr>
+            </a:outerShdw>
+          </a:effectLst>
+        </p:spPr>
+        <p:style>
+          <a:lnRef idx="2">
+            <a:schemeClr val="accent1">
+              <a:shade val="15000"/>
+            </a:schemeClr>
+          </a:lnRef>
+          <a:fillRef idx="1">
+            <a:schemeClr val="accent1"/>
+          </a:fillRef>
+          <a:effectRef idx="0">
+            <a:schemeClr val="accent1"/>
+          </a:effectRef>
+          <a:fontRef idx="minor">
+            <a:schemeClr val="lt1"/>
+          </a:fontRef>
+        </p:style>
+        <p:txBody>
+          <a:bodyPr rtlCol="0" anchor="ctr"/>
+          <a:lstStyle/>
+          <a:p>
+            <a:pPr algn="ctr"/>
+            <a:endParaRPr lang="en-US" sz="2082"/>
+          </a:p>
+        </p:txBody>
+      </p:sp>
+      <p:sp>
+        <p:nvSpPr>
+          <p:cNvPr id="33" name="Rectangle: Rounded Corners 32">
+            <a:extLst>
+              <a:ext uri="{FF2B5EF4-FFF2-40B4-BE49-F238E27FC236}">
+                <a16:creationId xmlns:a16="http://schemas.microsoft.com/office/drawing/2014/main" id="{441CF336-4DFF-F770-BD65-0D223A2C0F84}"/>
+              </a:ext>
+            </a:extLst>
+          </p:cNvPr>
+          <p:cNvSpPr/>
+          <p:nvPr/>
+        </p:nvSpPr>
+        <p:spPr>
+          <a:xfrm>
+            <a:off x="6597286" y="466128"/>
+            <a:ext cx="1840536" cy="1249776"/>
+          </a:xfrm>
+          <a:prstGeom prst="roundRect">
+            <a:avLst/>
+          </a:prstGeom>
+          <a:solidFill>
+            <a:schemeClr val="bg1"/>
+          </a:solidFill>
+          <a:ln>
+            <a:noFill/>
+          </a:ln>
+          <a:effectLst>
+            <a:outerShdw blurRad="63500" sx="102000" sy="102000" algn="ctr" rotWithShape="0">
+              <a:prstClr val="black">
+                <a:alpha val="10000"/>
+              </a:prstClr>
+            </a:outerShdw>
+          </a:effectLst>
+        </p:spPr>
+        <p:style>
+          <a:lnRef idx="2">
+            <a:schemeClr val="accent1">
+              <a:shade val="15000"/>
+            </a:schemeClr>
+          </a:lnRef>
+          <a:fillRef idx="1">
+            <a:schemeClr val="accent1"/>
+          </a:fillRef>
+          <a:effectRef idx="0">
+            <a:schemeClr val="accent1"/>
+          </a:effectRef>
+          <a:fontRef idx="minor">
+            <a:schemeClr val="lt1"/>
+          </a:fontRef>
+        </p:style>
+        <p:txBody>
+          <a:bodyPr rtlCol="0" anchor="ctr"/>
+          <a:lstStyle/>
+          <a:p>
+            <a:pPr algn="ctr"/>
+            <a:endParaRPr lang="en-US" sz="2082"/>
+          </a:p>
+        </p:txBody>
+      </p:sp>
+      <p:sp>
+        <p:nvSpPr>
+          <p:cNvPr id="36" name="Rectangle: Rounded Corners 35">
+            <a:extLst>
+              <a:ext uri="{FF2B5EF4-FFF2-40B4-BE49-F238E27FC236}">
+                <a16:creationId xmlns:a16="http://schemas.microsoft.com/office/drawing/2014/main" id="{705FD41F-68AB-D175-513B-F500F1565A20}"/>
+              </a:ext>
+            </a:extLst>
+          </p:cNvPr>
+          <p:cNvSpPr/>
+          <p:nvPr/>
+        </p:nvSpPr>
+        <p:spPr>
+          <a:xfrm>
+            <a:off x="8682087" y="470693"/>
+            <a:ext cx="5936354" cy="1928820"/>
+          </a:xfrm>
+          <a:prstGeom prst="roundRect">
+            <a:avLst>
+              <a:gd name="adj" fmla="val 11596"/>
+            </a:avLst>
+          </a:prstGeom>
+          <a:solidFill>
+            <a:schemeClr val="bg1"/>
+          </a:solidFill>
+          <a:ln>
+            <a:noFill/>
+          </a:ln>
+          <a:effectLst>
+            <a:outerShdw blurRad="63500" sx="102000" sy="102000" algn="ctr" rotWithShape="0">
+              <a:prstClr val="black">
+                <a:alpha val="10000"/>
+              </a:prstClr>
+            </a:outerShdw>
+          </a:effectLst>
+        </p:spPr>
+        <p:style>
+          <a:lnRef idx="2">
+            <a:schemeClr val="accent1">
+              <a:shade val="15000"/>
+            </a:schemeClr>
+          </a:lnRef>
+          <a:fillRef idx="1">
+            <a:schemeClr val="accent1"/>
+          </a:fillRef>
+          <a:effectRef idx="0">
+            <a:schemeClr val="accent1"/>
+          </a:effectRef>
+          <a:fontRef idx="minor">
+            <a:schemeClr val="lt1"/>
+          </a:fontRef>
+        </p:style>
+        <p:txBody>
+          <a:bodyPr rtlCol="0" anchor="ctr"/>
+          <a:lstStyle/>
+          <a:p>
+            <a:pPr algn="ctr"/>
+            <a:endParaRPr lang="en-US" sz="2082"/>
+          </a:p>
+        </p:txBody>
+      </p:sp>
+      <p:sp>
+        <p:nvSpPr>
+          <p:cNvPr id="40" name="Rectangle: Rounded Corners 39">
+            <a:extLst>
+              <a:ext uri="{FF2B5EF4-FFF2-40B4-BE49-F238E27FC236}">
+                <a16:creationId xmlns:a16="http://schemas.microsoft.com/office/drawing/2014/main" id="{D3A269D6-B58E-6A54-0533-5E64496EF647}"/>
+              </a:ext>
+            </a:extLst>
+          </p:cNvPr>
+          <p:cNvSpPr/>
+          <p:nvPr/>
+        </p:nvSpPr>
+        <p:spPr>
+          <a:xfrm>
+            <a:off x="8675985" y="2537359"/>
+            <a:ext cx="5942456" cy="1928820"/>
+          </a:xfrm>
+          <a:prstGeom prst="roundRect">
+            <a:avLst>
+              <a:gd name="adj" fmla="val 11596"/>
+            </a:avLst>
+          </a:prstGeom>
+          <a:solidFill>
+            <a:schemeClr val="bg1"/>
+          </a:solidFill>
+          <a:ln>
+            <a:noFill/>
+          </a:ln>
+          <a:effectLst>
+            <a:outerShdw blurRad="63500" sx="102000" sy="102000" algn="ctr" rotWithShape="0">
+              <a:prstClr val="black">
+                <a:alpha val="10000"/>
+              </a:prstClr>
+            </a:outerShdw>
+          </a:effectLst>
+        </p:spPr>
+        <p:style>
+          <a:lnRef idx="2">
+            <a:schemeClr val="accent1">
+              <a:shade val="15000"/>
+            </a:schemeClr>
+          </a:lnRef>
+          <a:fillRef idx="1">
+            <a:schemeClr val="accent1"/>
+          </a:fillRef>
+          <a:effectRef idx="0">
+            <a:schemeClr val="accent1"/>
+          </a:effectRef>
+          <a:fontRef idx="minor">
+            <a:schemeClr val="lt1"/>
+          </a:fontRef>
+        </p:style>
+        <p:txBody>
+          <a:bodyPr rtlCol="0" anchor="ctr"/>
+          <a:lstStyle/>
+          <a:p>
+            <a:pPr algn="ctr"/>
+            <a:endParaRPr lang="en-US" sz="2082"/>
+          </a:p>
+        </p:txBody>
+      </p:sp>
+      <p:sp>
+        <p:nvSpPr>
+          <p:cNvPr id="41" name="Rectangle: Rounded Corners 40">
+            <a:extLst>
+              <a:ext uri="{FF2B5EF4-FFF2-40B4-BE49-F238E27FC236}">
+                <a16:creationId xmlns:a16="http://schemas.microsoft.com/office/drawing/2014/main" id="{E6464C49-F7BD-EA2E-5BAA-C70B405CA895}"/>
+              </a:ext>
+            </a:extLst>
+          </p:cNvPr>
+          <p:cNvSpPr/>
+          <p:nvPr/>
+        </p:nvSpPr>
+        <p:spPr>
+          <a:xfrm>
+            <a:off x="2538360" y="4088680"/>
+            <a:ext cx="5936354" cy="2329523"/>
+          </a:xfrm>
+          <a:prstGeom prst="roundRect">
+            <a:avLst>
+              <a:gd name="adj" fmla="val 11596"/>
+            </a:avLst>
+          </a:prstGeom>
+          <a:solidFill>
+            <a:schemeClr val="bg1"/>
+          </a:solidFill>
+          <a:ln>
+            <a:noFill/>
+          </a:ln>
+          <a:effectLst>
+            <a:outerShdw blurRad="63500" sx="102000" sy="102000" algn="ctr" rotWithShape="0">
+              <a:prstClr val="black">
+                <a:alpha val="10000"/>
+              </a:prstClr>
+            </a:outerShdw>
+          </a:effectLst>
+        </p:spPr>
+        <p:style>
+          <a:lnRef idx="2">
+            <a:schemeClr val="accent1">
+              <a:shade val="15000"/>
+            </a:schemeClr>
+          </a:lnRef>
+          <a:fillRef idx="1">
+            <a:schemeClr val="accent1"/>
+          </a:fillRef>
+          <a:effectRef idx="0">
+            <a:schemeClr val="accent1"/>
+          </a:effectRef>
+          <a:fontRef idx="minor">
+            <a:schemeClr val="lt1"/>
+          </a:fontRef>
+        </p:style>
+        <p:txBody>
+          <a:bodyPr rtlCol="0" anchor="ctr"/>
+          <a:lstStyle/>
+          <a:p>
+            <a:pPr algn="ctr"/>
+            <a:endParaRPr lang="en-US" sz="2082"/>
+          </a:p>
+        </p:txBody>
+      </p:sp>
+      <p:sp>
+        <p:nvSpPr>
+          <p:cNvPr id="42" name="Rectangle: Rounded Corners 41">
+            <a:extLst>
+              <a:ext uri="{FF2B5EF4-FFF2-40B4-BE49-F238E27FC236}">
+                <a16:creationId xmlns:a16="http://schemas.microsoft.com/office/drawing/2014/main" id="{4B2A1512-AC0F-C83C-398A-E626786A82EA}"/>
+              </a:ext>
+            </a:extLst>
+          </p:cNvPr>
+          <p:cNvSpPr/>
+          <p:nvPr/>
+        </p:nvSpPr>
+        <p:spPr>
+          <a:xfrm>
+            <a:off x="8729633" y="4604025"/>
+            <a:ext cx="5888808" cy="1814178"/>
+          </a:xfrm>
+          <a:prstGeom prst="roundRect">
+            <a:avLst>
+              <a:gd name="adj" fmla="val 11596"/>
+            </a:avLst>
+          </a:prstGeom>
+          <a:solidFill>
+            <a:schemeClr val="bg1"/>
+          </a:solidFill>
+          <a:ln>
+            <a:noFill/>
+          </a:ln>
+          <a:effectLst>
+            <a:outerShdw blurRad="63500" sx="102000" sy="102000" algn="ctr" rotWithShape="0">
+              <a:prstClr val="black">
+                <a:alpha val="10000"/>
+              </a:prstClr>
+            </a:outerShdw>
+          </a:effectLst>
+        </p:spPr>
+        <p:style>
+          <a:lnRef idx="2">
+            <a:schemeClr val="accent1">
+              <a:shade val="15000"/>
+            </a:schemeClr>
+          </a:lnRef>
+          <a:fillRef idx="1">
+            <a:schemeClr val="accent1"/>
+          </a:fillRef>
+          <a:effectRef idx="0">
+            <a:schemeClr val="accent1"/>
+          </a:effectRef>
+          <a:fontRef idx="minor">
+            <a:schemeClr val="lt1"/>
+          </a:fontRef>
+        </p:style>
+        <p:txBody>
+          <a:bodyPr rtlCol="0" anchor="ctr"/>
+          <a:lstStyle/>
+          <a:p>
+            <a:pPr algn="ctr"/>
+            <a:endParaRPr lang="en-US" sz="2082"/>
+          </a:p>
+        </p:txBody>
+      </p:sp>
+      <p:sp>
+        <p:nvSpPr>
+          <p:cNvPr id="43" name="Rectangle: Rounded Corners 42">
+            <a:extLst>
+              <a:ext uri="{FF2B5EF4-FFF2-40B4-BE49-F238E27FC236}">
+                <a16:creationId xmlns:a16="http://schemas.microsoft.com/office/drawing/2014/main" id="{8AAC7577-5A2E-E7FC-623F-49E06E6776B5}"/>
+              </a:ext>
+            </a:extLst>
+          </p:cNvPr>
+          <p:cNvSpPr/>
+          <p:nvPr/>
+        </p:nvSpPr>
+        <p:spPr>
+          <a:xfrm>
+            <a:off x="431059" y="1939312"/>
+            <a:ext cx="1565164" cy="454808"/>
+          </a:xfrm>
+          <a:prstGeom prst="roundRect">
+            <a:avLst/>
+          </a:prstGeom>
+          <a:solidFill>
+            <a:schemeClr val="bg2">
+              <a:lumMod val="25000"/>
+            </a:schemeClr>
+          </a:solidFill>
+          <a:ln>
+            <a:noFill/>
+          </a:ln>
+          <a:effectLst>
+            <a:outerShdw blurRad="63500" sx="102000" sy="102000" algn="ctr" rotWithShape="0">
+              <a:prstClr val="black"/>
+            </a:outerShdw>
+          </a:effectLst>
+        </p:spPr>
+        <p:style>
+          <a:lnRef idx="1">
+            <a:schemeClr val="dk1"/>
+          </a:lnRef>
+          <a:fillRef idx="3">
+            <a:schemeClr val="dk1"/>
+          </a:fillRef>
+          <a:effectRef idx="2">
+            <a:schemeClr val="dk1"/>
+          </a:effectRef>
+          <a:fontRef idx="minor">
+            <a:schemeClr val="lt1"/>
+          </a:fontRef>
+        </p:style>
+        <p:txBody>
+          <a:bodyPr rtlCol="0" anchor="ctr"/>
+          <a:lstStyle/>
+          <a:p>
+            <a:pPr algn="ctr"/>
+            <a:endParaRPr lang="en-US" sz="2082"/>
+          </a:p>
+        </p:txBody>
+      </p:sp>
+      <p:sp>
+        <p:nvSpPr>
+          <p:cNvPr id="45" name="Rectangle: Rounded Corners 44">
+            <a:extLst>
+              <a:ext uri="{FF2B5EF4-FFF2-40B4-BE49-F238E27FC236}">
+                <a16:creationId xmlns:a16="http://schemas.microsoft.com/office/drawing/2014/main" id="{2D099C5B-83A0-7DC3-66EC-170709DEF2D9}"/>
+              </a:ext>
+            </a:extLst>
+          </p:cNvPr>
+          <p:cNvSpPr/>
+          <p:nvPr/>
+        </p:nvSpPr>
+        <p:spPr>
+          <a:xfrm>
+            <a:off x="431057" y="2653474"/>
+            <a:ext cx="1565164" cy="454808"/>
+          </a:xfrm>
+          <a:prstGeom prst="roundRect">
+            <a:avLst/>
+          </a:prstGeom>
+          <a:solidFill>
+            <a:schemeClr val="tx1">
+              <a:lumMod val="95000"/>
+              <a:lumOff val="5000"/>
+            </a:schemeClr>
+          </a:solidFill>
+          <a:ln>
+            <a:noFill/>
+          </a:ln>
+          <a:effectLst>
+            <a:outerShdw blurRad="63500" sx="102000" sy="102000" algn="ctr" rotWithShape="0">
+              <a:prstClr val="black"/>
+            </a:outerShdw>
+          </a:effectLst>
+        </p:spPr>
+        <p:style>
+          <a:lnRef idx="1">
+            <a:schemeClr val="dk1"/>
+          </a:lnRef>
+          <a:fillRef idx="3">
+            <a:schemeClr val="dk1"/>
+          </a:fillRef>
+          <a:effectRef idx="2">
+            <a:schemeClr val="dk1"/>
+          </a:effectRef>
+          <a:fontRef idx="minor">
+            <a:schemeClr val="lt1"/>
+          </a:fontRef>
+        </p:style>
+        <p:txBody>
+          <a:bodyPr rtlCol="0" anchor="ctr"/>
+          <a:lstStyle/>
+          <a:p>
+            <a:pPr algn="ctr"/>
+            <a:endParaRPr lang="en-US" sz="2082" b="1">
+              <a:ln w="22225">
+                <a:solidFill>
+                  <a:schemeClr val="accent2"/>
+                </a:solidFill>
+                <a:prstDash val="solid"/>
+              </a:ln>
+              <a:solidFill>
+                <a:schemeClr val="accent2">
+                  <a:lumMod val="40000"/>
+                  <a:lumOff val="60000"/>
+                </a:schemeClr>
+              </a:solidFill>
+            </a:endParaRPr>
+          </a:p>
+        </p:txBody>
+      </p:sp>
+      <p:sp>
+        <p:nvSpPr>
+          <p:cNvPr id="46" name="Rectangle: Rounded Corners 45">
+            <a:extLst>
+              <a:ext uri="{FF2B5EF4-FFF2-40B4-BE49-F238E27FC236}">
+                <a16:creationId xmlns:a16="http://schemas.microsoft.com/office/drawing/2014/main" id="{8B1F232D-FDD4-5496-3DF0-6AFDBBA79DDF}"/>
+              </a:ext>
+            </a:extLst>
+          </p:cNvPr>
+          <p:cNvSpPr/>
+          <p:nvPr/>
+        </p:nvSpPr>
+        <p:spPr>
+          <a:xfrm>
+            <a:off x="431056" y="3367637"/>
+            <a:ext cx="1565164" cy="454808"/>
+          </a:xfrm>
+          <a:prstGeom prst="roundRect">
+            <a:avLst/>
+          </a:prstGeom>
+          <a:solidFill>
+            <a:schemeClr val="bg2">
+              <a:lumMod val="25000"/>
+            </a:schemeClr>
+          </a:solidFill>
+          <a:ln>
+            <a:noFill/>
+          </a:ln>
+          <a:effectLst>
+            <a:outerShdw blurRad="63500" sx="102000" sy="102000" algn="ctr" rotWithShape="0">
+              <a:prstClr val="black"/>
+            </a:outerShdw>
+          </a:effectLst>
+        </p:spPr>
+        <p:style>
+          <a:lnRef idx="1">
+            <a:schemeClr val="dk1"/>
+          </a:lnRef>
+          <a:fillRef idx="3">
+            <a:schemeClr val="dk1"/>
+          </a:fillRef>
+          <a:effectRef idx="2">
+            <a:schemeClr val="dk1"/>
+          </a:effectRef>
+          <a:fontRef idx="minor">
+            <a:schemeClr val="lt1"/>
+          </a:fontRef>
+        </p:style>
+        <p:txBody>
+          <a:bodyPr rtlCol="0" anchor="ctr"/>
+          <a:lstStyle/>
+          <a:p>
+            <a:pPr algn="ctr"/>
+            <a:endParaRPr lang="en-US" sz="2082"/>
+          </a:p>
+        </p:txBody>
+      </p:sp>
+      <p:sp>
+        <p:nvSpPr>
+          <p:cNvPr id="47" name="Rectangle: Rounded Corners 46">
+            <a:extLst>
+              <a:ext uri="{FF2B5EF4-FFF2-40B4-BE49-F238E27FC236}">
+                <a16:creationId xmlns:a16="http://schemas.microsoft.com/office/drawing/2014/main" id="{B85BBB10-C0E9-5383-869C-FEABEC1EE337}"/>
+              </a:ext>
+            </a:extLst>
+          </p:cNvPr>
+          <p:cNvSpPr/>
+          <p:nvPr/>
+        </p:nvSpPr>
+        <p:spPr>
+          <a:xfrm>
+            <a:off x="431055" y="4088680"/>
+            <a:ext cx="1565164" cy="454808"/>
+          </a:xfrm>
+          <a:prstGeom prst="roundRect">
+            <a:avLst/>
+          </a:prstGeom>
+          <a:solidFill>
+            <a:schemeClr val="bg2">
+              <a:lumMod val="25000"/>
+            </a:schemeClr>
+          </a:solidFill>
+          <a:ln>
+            <a:noFill/>
+          </a:ln>
+          <a:effectLst>
+            <a:outerShdw blurRad="63500" sx="102000" sy="102000" algn="ctr" rotWithShape="0">
+              <a:prstClr val="black"/>
+            </a:outerShdw>
+          </a:effectLst>
+        </p:spPr>
+        <p:style>
+          <a:lnRef idx="1">
+            <a:schemeClr val="dk1"/>
+          </a:lnRef>
+          <a:fillRef idx="3">
+            <a:schemeClr val="dk1"/>
+          </a:fillRef>
+          <a:effectRef idx="2">
+            <a:schemeClr val="dk1"/>
+          </a:effectRef>
+          <a:fontRef idx="minor">
+            <a:schemeClr val="lt1"/>
+          </a:fontRef>
+        </p:style>
+        <p:txBody>
+          <a:bodyPr rtlCol="0" anchor="ctr"/>
+          <a:lstStyle/>
+          <a:p>
+            <a:pPr algn="ctr"/>
+            <a:endParaRPr lang="en-US" sz="2082"/>
+          </a:p>
+        </p:txBody>
+      </p:sp>
+      <p:pic>
+        <p:nvPicPr>
+          <p:cNvPr id="49" name="Picture 48">
+            <a:extLst>
+              <a:ext uri="{FF2B5EF4-FFF2-40B4-BE49-F238E27FC236}">
+                <a16:creationId xmlns:a16="http://schemas.microsoft.com/office/drawing/2014/main" id="{4D3DDE7A-5D1B-C6E3-4C15-8946DF89A387}"/>
+              </a:ext>
+            </a:extLst>
+          </p:cNvPr>
+          <p:cNvPicPr>
+            <a:picLocks noChangeAspect="1"/>
+          </p:cNvPicPr>
+          <p:nvPr/>
+        </p:nvPicPr>
+        <p:blipFill>
+          <a:blip r:embed="rId2">
+            <a:lum bright="70000" contrast="-70000"/>
+            <a:extLst>
+              <a:ext uri="{28A0092B-C50C-407E-A947-70E740481C1C}">
+                <a14:useLocalDpi xmlns:a14="http://schemas.microsoft.com/office/drawing/2010/main" val="0"/>
+              </a:ext>
+            </a:extLst>
+          </a:blip>
+          <a:srcRect/>
+          <a:stretch/>
+        </p:blipFill>
+        <p:spPr>
+          <a:xfrm>
+            <a:off x="498488" y="334868"/>
+            <a:ext cx="1430298" cy="1430298"/>
+          </a:xfrm>
+          <a:prstGeom prst="rect">
+            <a:avLst/>
+          </a:prstGeom>
+        </p:spPr>
+      </p:pic>
+      <p:sp>
+        <p:nvSpPr>
+          <p:cNvPr id="2" name="TextBox 1">
+            <a:extLst>
+              <a:ext uri="{FF2B5EF4-FFF2-40B4-BE49-F238E27FC236}">
+                <a16:creationId xmlns:a16="http://schemas.microsoft.com/office/drawing/2014/main" id="{ECE1AC56-1D75-ED64-1444-5BF0B990FC9C}"/>
+              </a:ext>
+            </a:extLst>
+          </p:cNvPr>
+          <p:cNvSpPr txBox="1"/>
+          <p:nvPr/>
+        </p:nvSpPr>
+        <p:spPr>
+          <a:xfrm>
+            <a:off x="431055" y="4836759"/>
+            <a:ext cx="1153331" cy="369332"/>
+          </a:xfrm>
+          <a:prstGeom prst="rect">
+            <a:avLst/>
+          </a:prstGeom>
+          <a:noFill/>
+        </p:spPr>
+        <p:txBody>
+          <a:bodyPr wrap="square" rtlCol="0">
+            <a:spAutoFit/>
+          </a:bodyPr>
+          <a:lstStyle/>
+          <a:p>
+            <a:r>
+              <a:rPr lang="en-US" dirty="0">
+                <a:solidFill>
+                  <a:schemeClr val="bg1"/>
+                </a:solidFill>
+                <a:latin typeface="Open Sans" pitchFamily="2" charset="0"/>
+                <a:ea typeface="Open Sans" pitchFamily="2" charset="0"/>
+                <a:cs typeface="Open Sans" pitchFamily="2" charset="0"/>
+              </a:rPr>
+              <a:t>Filters</a:t>
+            </a:r>
+          </a:p>
+        </p:txBody>
+      </p:sp>
+      <p:sp>
+        <p:nvSpPr>
+          <p:cNvPr id="15" name="Rectangle: Rounded Corners 14">
+            <a:extLst>
+              <a:ext uri="{FF2B5EF4-FFF2-40B4-BE49-F238E27FC236}">
+                <a16:creationId xmlns:a16="http://schemas.microsoft.com/office/drawing/2014/main" id="{6FE4F1AC-0AAA-F059-8563-14B7D93C0C32}"/>
+              </a:ext>
+            </a:extLst>
+          </p:cNvPr>
+          <p:cNvSpPr/>
+          <p:nvPr/>
+        </p:nvSpPr>
+        <p:spPr>
+          <a:xfrm>
+            <a:off x="2495366" y="1877889"/>
+            <a:ext cx="5942456" cy="2048098"/>
+          </a:xfrm>
+          <a:prstGeom prst="roundRect">
+            <a:avLst>
+              <a:gd name="adj" fmla="val 11596"/>
+            </a:avLst>
+          </a:prstGeom>
+          <a:solidFill>
+            <a:schemeClr val="bg1"/>
+          </a:solidFill>
+          <a:ln>
+            <a:noFill/>
+          </a:ln>
+          <a:effectLst>
+            <a:outerShdw blurRad="63500" sx="102000" sy="102000" algn="ctr" rotWithShape="0">
+              <a:prstClr val="black">
+                <a:alpha val="10000"/>
+              </a:prstClr>
+            </a:outerShdw>
+          </a:effectLst>
+        </p:spPr>
+        <p:style>
+          <a:lnRef idx="2">
+            <a:schemeClr val="accent1">
+              <a:shade val="15000"/>
+            </a:schemeClr>
+          </a:lnRef>
+          <a:fillRef idx="1">
+            <a:schemeClr val="accent1"/>
+          </a:fillRef>
+          <a:effectRef idx="0">
+            <a:schemeClr val="accent1"/>
+          </a:effectRef>
+          <a:fontRef idx="minor">
+            <a:schemeClr val="lt1"/>
+          </a:fontRef>
+        </p:style>
+        <p:txBody>
+          <a:bodyPr rtlCol="0" anchor="ctr"/>
+          <a:lstStyle/>
+          <a:p>
+            <a:pPr algn="ctr"/>
+            <a:endParaRPr lang="en-US" sz="2082"/>
+          </a:p>
+        </p:txBody>
+      </p:sp>
+    </p:spTree>
+    <p:extLst>
+      <p:ext uri="{BB962C8B-B14F-4D97-AF65-F5344CB8AC3E}">
+        <p14:creationId xmlns:p14="http://schemas.microsoft.com/office/powerpoint/2010/main" val="2731048263"/>
       </p:ext>
     </p:extLst>
   </p:cSld>

--- a/Supply Chain Analysis in Power BI/Dashboard Background Design.pptx
+++ b/Supply Chain Analysis in Power BI/Dashboard Background Design.pptx
@@ -7,6 +7,8 @@
   <p:sldIdLst>
     <p:sldId id="256" r:id="rId2"/>
     <p:sldId id="257" r:id="rId3"/>
+    <p:sldId id="258" r:id="rId4"/>
+    <p:sldId id="259" r:id="rId5"/>
   </p:sldIdLst>
   <p:sldSz cx="15049500" cy="6858000"/>
   <p:notesSz cx="6858000" cy="9144000"/>
@@ -244,7 +246,7 @@
           <a:p>
             <a:fld id="{3DD42230-267C-431A-8169-41D027ABCFB4}" type="datetimeFigureOut">
               <a:rPr lang="en-US" smtClean="0"/>
-              <a:t>4/29/2025</a:t>
+              <a:t>5/1/2025</a:t>
             </a:fld>
             <a:endParaRPr lang="en-US"/>
           </a:p>
@@ -414,7 +416,7 @@
           <a:p>
             <a:fld id="{3DD42230-267C-431A-8169-41D027ABCFB4}" type="datetimeFigureOut">
               <a:rPr lang="en-US" smtClean="0"/>
-              <a:t>4/29/2025</a:t>
+              <a:t>5/1/2025</a:t>
             </a:fld>
             <a:endParaRPr lang="en-US"/>
           </a:p>
@@ -594,7 +596,7 @@
           <a:p>
             <a:fld id="{3DD42230-267C-431A-8169-41D027ABCFB4}" type="datetimeFigureOut">
               <a:rPr lang="en-US" smtClean="0"/>
-              <a:t>4/29/2025</a:t>
+              <a:t>5/1/2025</a:t>
             </a:fld>
             <a:endParaRPr lang="en-US"/>
           </a:p>
@@ -764,7 +766,7 @@
           <a:p>
             <a:fld id="{3DD42230-267C-431A-8169-41D027ABCFB4}" type="datetimeFigureOut">
               <a:rPr lang="en-US" smtClean="0"/>
-              <a:t>4/29/2025</a:t>
+              <a:t>5/1/2025</a:t>
             </a:fld>
             <a:endParaRPr lang="en-US"/>
           </a:p>
@@ -1010,7 +1012,7 @@
           <a:p>
             <a:fld id="{3DD42230-267C-431A-8169-41D027ABCFB4}" type="datetimeFigureOut">
               <a:rPr lang="en-US" smtClean="0"/>
-              <a:t>4/29/2025</a:t>
+              <a:t>5/1/2025</a:t>
             </a:fld>
             <a:endParaRPr lang="en-US"/>
           </a:p>
@@ -1242,7 +1244,7 @@
           <a:p>
             <a:fld id="{3DD42230-267C-431A-8169-41D027ABCFB4}" type="datetimeFigureOut">
               <a:rPr lang="en-US" smtClean="0"/>
-              <a:t>4/29/2025</a:t>
+              <a:t>5/1/2025</a:t>
             </a:fld>
             <a:endParaRPr lang="en-US"/>
           </a:p>
@@ -1609,7 +1611,7 @@
           <a:p>
             <a:fld id="{3DD42230-267C-431A-8169-41D027ABCFB4}" type="datetimeFigureOut">
               <a:rPr lang="en-US" smtClean="0"/>
-              <a:t>4/29/2025</a:t>
+              <a:t>5/1/2025</a:t>
             </a:fld>
             <a:endParaRPr lang="en-US"/>
           </a:p>
@@ -1727,7 +1729,7 @@
           <a:p>
             <a:fld id="{3DD42230-267C-431A-8169-41D027ABCFB4}" type="datetimeFigureOut">
               <a:rPr lang="en-US" smtClean="0"/>
-              <a:t>4/29/2025</a:t>
+              <a:t>5/1/2025</a:t>
             </a:fld>
             <a:endParaRPr lang="en-US"/>
           </a:p>
@@ -1822,7 +1824,7 @@
           <a:p>
             <a:fld id="{3DD42230-267C-431A-8169-41D027ABCFB4}" type="datetimeFigureOut">
               <a:rPr lang="en-US" smtClean="0"/>
-              <a:t>4/29/2025</a:t>
+              <a:t>5/1/2025</a:t>
             </a:fld>
             <a:endParaRPr lang="en-US"/>
           </a:p>
@@ -2099,7 +2101,7 @@
           <a:p>
             <a:fld id="{3DD42230-267C-431A-8169-41D027ABCFB4}" type="datetimeFigureOut">
               <a:rPr lang="en-US" smtClean="0"/>
-              <a:t>4/29/2025</a:t>
+              <a:t>5/1/2025</a:t>
             </a:fld>
             <a:endParaRPr lang="en-US"/>
           </a:p>
@@ -2356,7 +2358,7 @@
           <a:p>
             <a:fld id="{3DD42230-267C-431A-8169-41D027ABCFB4}" type="datetimeFigureOut">
               <a:rPr lang="en-US" smtClean="0"/>
-              <a:t>4/29/2025</a:t>
+              <a:t>5/1/2025</a:t>
             </a:fld>
             <a:endParaRPr lang="en-US"/>
           </a:p>
@@ -2569,7 +2571,7 @@
           <a:p>
             <a:fld id="{3DD42230-267C-431A-8169-41D027ABCFB4}" type="datetimeFigureOut">
               <a:rPr lang="en-US" smtClean="0"/>
-              <a:t>4/29/2025</a:t>
+              <a:t>5/1/2025</a:t>
             </a:fld>
             <a:endParaRPr lang="en-US"/>
           </a:p>
@@ -5017,6 +5019,1884 @@
     <p:extLst>
       <p:ext uri="{BB962C8B-B14F-4D97-AF65-F5344CB8AC3E}">
         <p14:creationId xmlns:p14="http://schemas.microsoft.com/office/powerpoint/2010/main" val="2731048263"/>
+      </p:ext>
+    </p:extLst>
+  </p:cSld>
+  <p:clrMapOvr>
+    <a:masterClrMapping/>
+  </p:clrMapOvr>
+</p:sld>
+</file>
+
+<file path=ppt/slides/slide3.xml><?xml version="1.0" encoding="utf-8"?>
+<p:sld xmlns:a="http://schemas.openxmlformats.org/drawingml/2006/main" xmlns:r="http://schemas.openxmlformats.org/officeDocument/2006/relationships" xmlns:p="http://schemas.openxmlformats.org/presentationml/2006/main">
+  <p:cSld>
+    <p:spTree>
+      <p:nvGrpSpPr>
+        <p:cNvPr id="1" name="">
+          <a:extLst>
+            <a:ext uri="{FF2B5EF4-FFF2-40B4-BE49-F238E27FC236}">
+              <a16:creationId xmlns:a16="http://schemas.microsoft.com/office/drawing/2014/main" id="{988AB571-CC08-EB2C-B506-52487282377A}"/>
+            </a:ext>
+          </a:extLst>
+        </p:cNvPr>
+        <p:cNvGrpSpPr/>
+        <p:nvPr/>
+      </p:nvGrpSpPr>
+      <p:grpSpPr>
+        <a:xfrm>
+          <a:off x="0" y="0"/>
+          <a:ext cx="0" cy="0"/>
+          <a:chOff x="0" y="0"/>
+          <a:chExt cx="0" cy="0"/>
+        </a:xfrm>
+      </p:grpSpPr>
+      <p:sp>
+        <p:nvSpPr>
+          <p:cNvPr id="4" name="Rectangle 3">
+            <a:extLst>
+              <a:ext uri="{FF2B5EF4-FFF2-40B4-BE49-F238E27FC236}">
+                <a16:creationId xmlns:a16="http://schemas.microsoft.com/office/drawing/2014/main" id="{758DA6ED-C5B6-981A-E04F-28F03346FC44}"/>
+              </a:ext>
+            </a:extLst>
+          </p:cNvPr>
+          <p:cNvSpPr/>
+          <p:nvPr/>
+        </p:nvSpPr>
+        <p:spPr>
+          <a:xfrm>
+            <a:off x="0" y="4"/>
+            <a:ext cx="15049500" cy="6857996"/>
+          </a:xfrm>
+          <a:prstGeom prst="rect">
+            <a:avLst/>
+          </a:prstGeom>
+          <a:solidFill>
+            <a:schemeClr val="bg1">
+              <a:lumMod val="95000"/>
+            </a:schemeClr>
+          </a:solidFill>
+          <a:ln>
+            <a:noFill/>
+          </a:ln>
+        </p:spPr>
+        <p:style>
+          <a:lnRef idx="2">
+            <a:schemeClr val="accent1">
+              <a:shade val="15000"/>
+            </a:schemeClr>
+          </a:lnRef>
+          <a:fillRef idx="1">
+            <a:schemeClr val="accent1"/>
+          </a:fillRef>
+          <a:effectRef idx="0">
+            <a:schemeClr val="accent1"/>
+          </a:effectRef>
+          <a:fontRef idx="minor">
+            <a:schemeClr val="lt1"/>
+          </a:fontRef>
+        </p:style>
+        <p:txBody>
+          <a:bodyPr rtlCol="0" anchor="ctr"/>
+          <a:lstStyle/>
+          <a:p>
+            <a:pPr algn="ctr"/>
+            <a:endParaRPr lang="en-US" sz="2082"/>
+          </a:p>
+        </p:txBody>
+      </p:sp>
+      <p:sp>
+        <p:nvSpPr>
+          <p:cNvPr id="5" name="Rectangle: Rounded Corners 4">
+            <a:extLst>
+              <a:ext uri="{FF2B5EF4-FFF2-40B4-BE49-F238E27FC236}">
+                <a16:creationId xmlns:a16="http://schemas.microsoft.com/office/drawing/2014/main" id="{73C652E3-0BBF-2108-E9D6-78BA73C20807}"/>
+              </a:ext>
+            </a:extLst>
+          </p:cNvPr>
+          <p:cNvSpPr/>
+          <p:nvPr/>
+        </p:nvSpPr>
+        <p:spPr>
+          <a:xfrm>
+            <a:off x="141901" y="162695"/>
+            <a:ext cx="14751306" cy="6532612"/>
+          </a:xfrm>
+          <a:prstGeom prst="roundRect">
+            <a:avLst>
+              <a:gd name="adj" fmla="val 4677"/>
+            </a:avLst>
+          </a:prstGeom>
+          <a:solidFill>
+            <a:schemeClr val="tx1">
+              <a:lumMod val="85000"/>
+              <a:lumOff val="15000"/>
+            </a:schemeClr>
+          </a:solidFill>
+        </p:spPr>
+        <p:style>
+          <a:lnRef idx="2">
+            <a:schemeClr val="accent1">
+              <a:shade val="15000"/>
+            </a:schemeClr>
+          </a:lnRef>
+          <a:fillRef idx="1">
+            <a:schemeClr val="accent1"/>
+          </a:fillRef>
+          <a:effectRef idx="0">
+            <a:schemeClr val="accent1"/>
+          </a:effectRef>
+          <a:fontRef idx="minor">
+            <a:schemeClr val="lt1"/>
+          </a:fontRef>
+        </p:style>
+        <p:txBody>
+          <a:bodyPr rtlCol="0" anchor="ctr"/>
+          <a:lstStyle/>
+          <a:p>
+            <a:pPr algn="ctr"/>
+            <a:endParaRPr lang="en-US" sz="2082" dirty="0"/>
+          </a:p>
+        </p:txBody>
+      </p:sp>
+      <p:sp>
+        <p:nvSpPr>
+          <p:cNvPr id="10" name="Rectangle: Rounded Corners 9">
+            <a:extLst>
+              <a:ext uri="{FF2B5EF4-FFF2-40B4-BE49-F238E27FC236}">
+                <a16:creationId xmlns:a16="http://schemas.microsoft.com/office/drawing/2014/main" id="{198B3BBB-7E91-1D8A-04EB-2DE6EB955E0A}"/>
+              </a:ext>
+            </a:extLst>
+          </p:cNvPr>
+          <p:cNvSpPr/>
+          <p:nvPr/>
+        </p:nvSpPr>
+        <p:spPr>
+          <a:xfrm>
+            <a:off x="2283442" y="332847"/>
+            <a:ext cx="12470446" cy="6173614"/>
+          </a:xfrm>
+          <a:prstGeom prst="roundRect">
+            <a:avLst>
+              <a:gd name="adj" fmla="val 4677"/>
+            </a:avLst>
+          </a:prstGeom>
+          <a:solidFill>
+            <a:schemeClr val="bg1">
+              <a:lumMod val="95000"/>
+            </a:schemeClr>
+          </a:solidFill>
+          <a:ln>
+            <a:noFill/>
+          </a:ln>
+        </p:spPr>
+        <p:style>
+          <a:lnRef idx="2">
+            <a:schemeClr val="accent6"/>
+          </a:lnRef>
+          <a:fillRef idx="1">
+            <a:schemeClr val="lt1"/>
+          </a:fillRef>
+          <a:effectRef idx="0">
+            <a:schemeClr val="accent6"/>
+          </a:effectRef>
+          <a:fontRef idx="minor">
+            <a:schemeClr val="dk1"/>
+          </a:fontRef>
+        </p:style>
+        <p:txBody>
+          <a:bodyPr rtlCol="0" anchor="ctr"/>
+          <a:lstStyle/>
+          <a:p>
+            <a:pPr algn="ctr"/>
+            <a:endParaRPr lang="en-US" sz="2082"/>
+          </a:p>
+        </p:txBody>
+      </p:sp>
+      <p:sp>
+        <p:nvSpPr>
+          <p:cNvPr id="11" name="Rectangle: Rounded Corners 10">
+            <a:extLst>
+              <a:ext uri="{FF2B5EF4-FFF2-40B4-BE49-F238E27FC236}">
+                <a16:creationId xmlns:a16="http://schemas.microsoft.com/office/drawing/2014/main" id="{4C4C1A0D-058F-5435-E427-53041B0C9BB2}"/>
+              </a:ext>
+            </a:extLst>
+          </p:cNvPr>
+          <p:cNvSpPr/>
+          <p:nvPr/>
+        </p:nvSpPr>
+        <p:spPr>
+          <a:xfrm>
+            <a:off x="2538360" y="465422"/>
+            <a:ext cx="1840536" cy="1249776"/>
+          </a:xfrm>
+          <a:prstGeom prst="roundRect">
+            <a:avLst/>
+          </a:prstGeom>
+          <a:solidFill>
+            <a:schemeClr val="bg1"/>
+          </a:solidFill>
+          <a:ln>
+            <a:noFill/>
+          </a:ln>
+          <a:effectLst>
+            <a:outerShdw blurRad="63500" sx="102000" sy="102000" algn="ctr" rotWithShape="0">
+              <a:prstClr val="black">
+                <a:alpha val="10000"/>
+              </a:prstClr>
+            </a:outerShdw>
+          </a:effectLst>
+        </p:spPr>
+        <p:style>
+          <a:lnRef idx="2">
+            <a:schemeClr val="accent1">
+              <a:shade val="15000"/>
+            </a:schemeClr>
+          </a:lnRef>
+          <a:fillRef idx="1">
+            <a:schemeClr val="accent1"/>
+          </a:fillRef>
+          <a:effectRef idx="0">
+            <a:schemeClr val="accent1"/>
+          </a:effectRef>
+          <a:fontRef idx="minor">
+            <a:schemeClr val="lt1"/>
+          </a:fontRef>
+        </p:style>
+        <p:txBody>
+          <a:bodyPr rtlCol="0" anchor="ctr"/>
+          <a:lstStyle/>
+          <a:p>
+            <a:pPr algn="ctr"/>
+            <a:endParaRPr lang="en-US" sz="2082"/>
+          </a:p>
+        </p:txBody>
+      </p:sp>
+      <p:sp>
+        <p:nvSpPr>
+          <p:cNvPr id="31" name="Rectangle: Rounded Corners 30">
+            <a:extLst>
+              <a:ext uri="{FF2B5EF4-FFF2-40B4-BE49-F238E27FC236}">
+                <a16:creationId xmlns:a16="http://schemas.microsoft.com/office/drawing/2014/main" id="{63E1899C-DC63-D598-9690-B4DF7A96F11B}"/>
+              </a:ext>
+            </a:extLst>
+          </p:cNvPr>
+          <p:cNvSpPr/>
+          <p:nvPr/>
+        </p:nvSpPr>
+        <p:spPr>
+          <a:xfrm>
+            <a:off x="4586269" y="467649"/>
+            <a:ext cx="1840536" cy="1249776"/>
+          </a:xfrm>
+          <a:prstGeom prst="roundRect">
+            <a:avLst/>
+          </a:prstGeom>
+          <a:solidFill>
+            <a:schemeClr val="bg1"/>
+          </a:solidFill>
+          <a:ln>
+            <a:noFill/>
+          </a:ln>
+          <a:effectLst>
+            <a:outerShdw blurRad="63500" sx="102000" sy="102000" algn="ctr" rotWithShape="0">
+              <a:prstClr val="black">
+                <a:alpha val="10000"/>
+              </a:prstClr>
+            </a:outerShdw>
+          </a:effectLst>
+        </p:spPr>
+        <p:style>
+          <a:lnRef idx="2">
+            <a:schemeClr val="accent1">
+              <a:shade val="15000"/>
+            </a:schemeClr>
+          </a:lnRef>
+          <a:fillRef idx="1">
+            <a:schemeClr val="accent1"/>
+          </a:fillRef>
+          <a:effectRef idx="0">
+            <a:schemeClr val="accent1"/>
+          </a:effectRef>
+          <a:fontRef idx="minor">
+            <a:schemeClr val="lt1"/>
+          </a:fontRef>
+        </p:style>
+        <p:txBody>
+          <a:bodyPr rtlCol="0" anchor="ctr"/>
+          <a:lstStyle/>
+          <a:p>
+            <a:pPr algn="ctr"/>
+            <a:endParaRPr lang="en-US" sz="2082"/>
+          </a:p>
+        </p:txBody>
+      </p:sp>
+      <p:sp>
+        <p:nvSpPr>
+          <p:cNvPr id="33" name="Rectangle: Rounded Corners 32">
+            <a:extLst>
+              <a:ext uri="{FF2B5EF4-FFF2-40B4-BE49-F238E27FC236}">
+                <a16:creationId xmlns:a16="http://schemas.microsoft.com/office/drawing/2014/main" id="{91ECCF2C-83BB-94DE-5A6D-52865B900962}"/>
+              </a:ext>
+            </a:extLst>
+          </p:cNvPr>
+          <p:cNvSpPr/>
+          <p:nvPr/>
+        </p:nvSpPr>
+        <p:spPr>
+          <a:xfrm>
+            <a:off x="6597286" y="466128"/>
+            <a:ext cx="1840536" cy="1249776"/>
+          </a:xfrm>
+          <a:prstGeom prst="roundRect">
+            <a:avLst/>
+          </a:prstGeom>
+          <a:solidFill>
+            <a:schemeClr val="bg1"/>
+          </a:solidFill>
+          <a:ln>
+            <a:noFill/>
+          </a:ln>
+          <a:effectLst>
+            <a:outerShdw blurRad="63500" sx="102000" sy="102000" algn="ctr" rotWithShape="0">
+              <a:prstClr val="black">
+                <a:alpha val="10000"/>
+              </a:prstClr>
+            </a:outerShdw>
+          </a:effectLst>
+        </p:spPr>
+        <p:style>
+          <a:lnRef idx="2">
+            <a:schemeClr val="accent1">
+              <a:shade val="15000"/>
+            </a:schemeClr>
+          </a:lnRef>
+          <a:fillRef idx="1">
+            <a:schemeClr val="accent1"/>
+          </a:fillRef>
+          <a:effectRef idx="0">
+            <a:schemeClr val="accent1"/>
+          </a:effectRef>
+          <a:fontRef idx="minor">
+            <a:schemeClr val="lt1"/>
+          </a:fontRef>
+        </p:style>
+        <p:txBody>
+          <a:bodyPr rtlCol="0" anchor="ctr"/>
+          <a:lstStyle/>
+          <a:p>
+            <a:pPr algn="ctr"/>
+            <a:endParaRPr lang="en-US" sz="2082"/>
+          </a:p>
+        </p:txBody>
+      </p:sp>
+      <p:sp>
+        <p:nvSpPr>
+          <p:cNvPr id="36" name="Rectangle: Rounded Corners 35">
+            <a:extLst>
+              <a:ext uri="{FF2B5EF4-FFF2-40B4-BE49-F238E27FC236}">
+                <a16:creationId xmlns:a16="http://schemas.microsoft.com/office/drawing/2014/main" id="{4CA21C77-6B91-8C98-7E91-764D68F03C72}"/>
+              </a:ext>
+            </a:extLst>
+          </p:cNvPr>
+          <p:cNvSpPr/>
+          <p:nvPr/>
+        </p:nvSpPr>
+        <p:spPr>
+          <a:xfrm>
+            <a:off x="8682087" y="470693"/>
+            <a:ext cx="5936354" cy="1928820"/>
+          </a:xfrm>
+          <a:prstGeom prst="roundRect">
+            <a:avLst>
+              <a:gd name="adj" fmla="val 11596"/>
+            </a:avLst>
+          </a:prstGeom>
+          <a:solidFill>
+            <a:schemeClr val="bg1"/>
+          </a:solidFill>
+          <a:ln>
+            <a:noFill/>
+          </a:ln>
+          <a:effectLst>
+            <a:outerShdw blurRad="63500" sx="102000" sy="102000" algn="ctr" rotWithShape="0">
+              <a:prstClr val="black">
+                <a:alpha val="10000"/>
+              </a:prstClr>
+            </a:outerShdw>
+          </a:effectLst>
+        </p:spPr>
+        <p:style>
+          <a:lnRef idx="2">
+            <a:schemeClr val="accent1">
+              <a:shade val="15000"/>
+            </a:schemeClr>
+          </a:lnRef>
+          <a:fillRef idx="1">
+            <a:schemeClr val="accent1"/>
+          </a:fillRef>
+          <a:effectRef idx="0">
+            <a:schemeClr val="accent1"/>
+          </a:effectRef>
+          <a:fontRef idx="minor">
+            <a:schemeClr val="lt1"/>
+          </a:fontRef>
+        </p:style>
+        <p:txBody>
+          <a:bodyPr rtlCol="0" anchor="ctr"/>
+          <a:lstStyle/>
+          <a:p>
+            <a:pPr algn="ctr"/>
+            <a:endParaRPr lang="en-US" sz="2082"/>
+          </a:p>
+        </p:txBody>
+      </p:sp>
+      <p:sp>
+        <p:nvSpPr>
+          <p:cNvPr id="40" name="Rectangle: Rounded Corners 39">
+            <a:extLst>
+              <a:ext uri="{FF2B5EF4-FFF2-40B4-BE49-F238E27FC236}">
+                <a16:creationId xmlns:a16="http://schemas.microsoft.com/office/drawing/2014/main" id="{3CDA6E76-7996-17C9-8CEB-4E9171DDF2C4}"/>
+              </a:ext>
+            </a:extLst>
+          </p:cNvPr>
+          <p:cNvSpPr/>
+          <p:nvPr/>
+        </p:nvSpPr>
+        <p:spPr>
+          <a:xfrm>
+            <a:off x="8675985" y="2537359"/>
+            <a:ext cx="5942456" cy="1928820"/>
+          </a:xfrm>
+          <a:prstGeom prst="roundRect">
+            <a:avLst>
+              <a:gd name="adj" fmla="val 11596"/>
+            </a:avLst>
+          </a:prstGeom>
+          <a:solidFill>
+            <a:schemeClr val="bg1"/>
+          </a:solidFill>
+          <a:ln>
+            <a:noFill/>
+          </a:ln>
+          <a:effectLst>
+            <a:outerShdw blurRad="63500" sx="102000" sy="102000" algn="ctr" rotWithShape="0">
+              <a:prstClr val="black">
+                <a:alpha val="10000"/>
+              </a:prstClr>
+            </a:outerShdw>
+          </a:effectLst>
+        </p:spPr>
+        <p:style>
+          <a:lnRef idx="2">
+            <a:schemeClr val="accent1">
+              <a:shade val="15000"/>
+            </a:schemeClr>
+          </a:lnRef>
+          <a:fillRef idx="1">
+            <a:schemeClr val="accent1"/>
+          </a:fillRef>
+          <a:effectRef idx="0">
+            <a:schemeClr val="accent1"/>
+          </a:effectRef>
+          <a:fontRef idx="minor">
+            <a:schemeClr val="lt1"/>
+          </a:fontRef>
+        </p:style>
+        <p:txBody>
+          <a:bodyPr rtlCol="0" anchor="ctr"/>
+          <a:lstStyle/>
+          <a:p>
+            <a:pPr algn="ctr"/>
+            <a:endParaRPr lang="en-US" sz="2082"/>
+          </a:p>
+        </p:txBody>
+      </p:sp>
+      <p:sp>
+        <p:nvSpPr>
+          <p:cNvPr id="41" name="Rectangle: Rounded Corners 40">
+            <a:extLst>
+              <a:ext uri="{FF2B5EF4-FFF2-40B4-BE49-F238E27FC236}">
+                <a16:creationId xmlns:a16="http://schemas.microsoft.com/office/drawing/2014/main" id="{46D4899D-7492-2EC6-8F0F-168A73D15B3A}"/>
+              </a:ext>
+            </a:extLst>
+          </p:cNvPr>
+          <p:cNvSpPr/>
+          <p:nvPr/>
+        </p:nvSpPr>
+        <p:spPr>
+          <a:xfrm>
+            <a:off x="2538360" y="4088680"/>
+            <a:ext cx="5936354" cy="2329523"/>
+          </a:xfrm>
+          <a:prstGeom prst="roundRect">
+            <a:avLst>
+              <a:gd name="adj" fmla="val 11596"/>
+            </a:avLst>
+          </a:prstGeom>
+          <a:solidFill>
+            <a:schemeClr val="bg1"/>
+          </a:solidFill>
+          <a:ln>
+            <a:noFill/>
+          </a:ln>
+          <a:effectLst>
+            <a:outerShdw blurRad="63500" sx="102000" sy="102000" algn="ctr" rotWithShape="0">
+              <a:prstClr val="black">
+                <a:alpha val="10000"/>
+              </a:prstClr>
+            </a:outerShdw>
+          </a:effectLst>
+        </p:spPr>
+        <p:style>
+          <a:lnRef idx="2">
+            <a:schemeClr val="accent1">
+              <a:shade val="15000"/>
+            </a:schemeClr>
+          </a:lnRef>
+          <a:fillRef idx="1">
+            <a:schemeClr val="accent1"/>
+          </a:fillRef>
+          <a:effectRef idx="0">
+            <a:schemeClr val="accent1"/>
+          </a:effectRef>
+          <a:fontRef idx="minor">
+            <a:schemeClr val="lt1"/>
+          </a:fontRef>
+        </p:style>
+        <p:txBody>
+          <a:bodyPr rtlCol="0" anchor="ctr"/>
+          <a:lstStyle/>
+          <a:p>
+            <a:pPr algn="ctr"/>
+            <a:endParaRPr lang="en-US" sz="2082"/>
+          </a:p>
+        </p:txBody>
+      </p:sp>
+      <p:sp>
+        <p:nvSpPr>
+          <p:cNvPr id="42" name="Rectangle: Rounded Corners 41">
+            <a:extLst>
+              <a:ext uri="{FF2B5EF4-FFF2-40B4-BE49-F238E27FC236}">
+                <a16:creationId xmlns:a16="http://schemas.microsoft.com/office/drawing/2014/main" id="{725C68D4-43B5-9D99-9D39-1D77B8B32EEF}"/>
+              </a:ext>
+            </a:extLst>
+          </p:cNvPr>
+          <p:cNvSpPr/>
+          <p:nvPr/>
+        </p:nvSpPr>
+        <p:spPr>
+          <a:xfrm>
+            <a:off x="8729633" y="4604025"/>
+            <a:ext cx="5888808" cy="1814178"/>
+          </a:xfrm>
+          <a:prstGeom prst="roundRect">
+            <a:avLst>
+              <a:gd name="adj" fmla="val 11596"/>
+            </a:avLst>
+          </a:prstGeom>
+          <a:solidFill>
+            <a:schemeClr val="bg1"/>
+          </a:solidFill>
+          <a:ln>
+            <a:noFill/>
+          </a:ln>
+          <a:effectLst>
+            <a:outerShdw blurRad="63500" sx="102000" sy="102000" algn="ctr" rotWithShape="0">
+              <a:prstClr val="black">
+                <a:alpha val="10000"/>
+              </a:prstClr>
+            </a:outerShdw>
+          </a:effectLst>
+        </p:spPr>
+        <p:style>
+          <a:lnRef idx="2">
+            <a:schemeClr val="accent1">
+              <a:shade val="15000"/>
+            </a:schemeClr>
+          </a:lnRef>
+          <a:fillRef idx="1">
+            <a:schemeClr val="accent1"/>
+          </a:fillRef>
+          <a:effectRef idx="0">
+            <a:schemeClr val="accent1"/>
+          </a:effectRef>
+          <a:fontRef idx="minor">
+            <a:schemeClr val="lt1"/>
+          </a:fontRef>
+        </p:style>
+        <p:txBody>
+          <a:bodyPr rtlCol="0" anchor="ctr"/>
+          <a:lstStyle/>
+          <a:p>
+            <a:pPr algn="ctr"/>
+            <a:endParaRPr lang="en-US" sz="2082"/>
+          </a:p>
+        </p:txBody>
+      </p:sp>
+      <p:sp>
+        <p:nvSpPr>
+          <p:cNvPr id="43" name="Rectangle: Rounded Corners 42">
+            <a:extLst>
+              <a:ext uri="{FF2B5EF4-FFF2-40B4-BE49-F238E27FC236}">
+                <a16:creationId xmlns:a16="http://schemas.microsoft.com/office/drawing/2014/main" id="{1ADE0111-6E85-F396-3BD1-2DCAA0252ED3}"/>
+              </a:ext>
+            </a:extLst>
+          </p:cNvPr>
+          <p:cNvSpPr/>
+          <p:nvPr/>
+        </p:nvSpPr>
+        <p:spPr>
+          <a:xfrm>
+            <a:off x="431059" y="1939312"/>
+            <a:ext cx="1565164" cy="454808"/>
+          </a:xfrm>
+          <a:prstGeom prst="roundRect">
+            <a:avLst/>
+          </a:prstGeom>
+          <a:solidFill>
+            <a:schemeClr val="bg2">
+              <a:lumMod val="25000"/>
+            </a:schemeClr>
+          </a:solidFill>
+          <a:ln>
+            <a:noFill/>
+          </a:ln>
+          <a:effectLst>
+            <a:outerShdw blurRad="63500" sx="102000" sy="102000" algn="ctr" rotWithShape="0">
+              <a:prstClr val="black"/>
+            </a:outerShdw>
+          </a:effectLst>
+        </p:spPr>
+        <p:style>
+          <a:lnRef idx="1">
+            <a:schemeClr val="dk1"/>
+          </a:lnRef>
+          <a:fillRef idx="3">
+            <a:schemeClr val="dk1"/>
+          </a:fillRef>
+          <a:effectRef idx="2">
+            <a:schemeClr val="dk1"/>
+          </a:effectRef>
+          <a:fontRef idx="minor">
+            <a:schemeClr val="lt1"/>
+          </a:fontRef>
+        </p:style>
+        <p:txBody>
+          <a:bodyPr rtlCol="0" anchor="ctr"/>
+          <a:lstStyle/>
+          <a:p>
+            <a:pPr algn="ctr"/>
+            <a:endParaRPr lang="en-US" sz="2082"/>
+          </a:p>
+        </p:txBody>
+      </p:sp>
+      <p:sp>
+        <p:nvSpPr>
+          <p:cNvPr id="45" name="Rectangle: Rounded Corners 44">
+            <a:extLst>
+              <a:ext uri="{FF2B5EF4-FFF2-40B4-BE49-F238E27FC236}">
+                <a16:creationId xmlns:a16="http://schemas.microsoft.com/office/drawing/2014/main" id="{0A4E1ADE-ADBA-9449-1DDC-342AF705373B}"/>
+              </a:ext>
+            </a:extLst>
+          </p:cNvPr>
+          <p:cNvSpPr/>
+          <p:nvPr/>
+        </p:nvSpPr>
+        <p:spPr>
+          <a:xfrm>
+            <a:off x="431057" y="2653474"/>
+            <a:ext cx="1565164" cy="454808"/>
+          </a:xfrm>
+          <a:prstGeom prst="roundRect">
+            <a:avLst/>
+          </a:prstGeom>
+          <a:solidFill>
+            <a:schemeClr val="bg2">
+              <a:lumMod val="25000"/>
+            </a:schemeClr>
+          </a:solidFill>
+          <a:ln>
+            <a:noFill/>
+          </a:ln>
+          <a:effectLst>
+            <a:outerShdw blurRad="63500" sx="102000" sy="102000" algn="ctr" rotWithShape="0">
+              <a:prstClr val="black"/>
+            </a:outerShdw>
+          </a:effectLst>
+        </p:spPr>
+        <p:style>
+          <a:lnRef idx="1">
+            <a:schemeClr val="dk1"/>
+          </a:lnRef>
+          <a:fillRef idx="3">
+            <a:schemeClr val="dk1"/>
+          </a:fillRef>
+          <a:effectRef idx="2">
+            <a:schemeClr val="dk1"/>
+          </a:effectRef>
+          <a:fontRef idx="minor">
+            <a:schemeClr val="lt1"/>
+          </a:fontRef>
+        </p:style>
+        <p:txBody>
+          <a:bodyPr rtlCol="0" anchor="ctr"/>
+          <a:lstStyle/>
+          <a:p>
+            <a:pPr algn="ctr"/>
+            <a:endParaRPr lang="en-US" sz="2082"/>
+          </a:p>
+        </p:txBody>
+      </p:sp>
+      <p:sp>
+        <p:nvSpPr>
+          <p:cNvPr id="46" name="Rectangle: Rounded Corners 45">
+            <a:extLst>
+              <a:ext uri="{FF2B5EF4-FFF2-40B4-BE49-F238E27FC236}">
+                <a16:creationId xmlns:a16="http://schemas.microsoft.com/office/drawing/2014/main" id="{DB25879D-E333-F13B-E0ED-54E0D73779A0}"/>
+              </a:ext>
+            </a:extLst>
+          </p:cNvPr>
+          <p:cNvSpPr/>
+          <p:nvPr/>
+        </p:nvSpPr>
+        <p:spPr>
+          <a:xfrm>
+            <a:off x="431056" y="3367637"/>
+            <a:ext cx="1565164" cy="454808"/>
+          </a:xfrm>
+          <a:prstGeom prst="roundRect">
+            <a:avLst/>
+          </a:prstGeom>
+          <a:solidFill>
+            <a:schemeClr val="tx1">
+              <a:lumMod val="95000"/>
+              <a:lumOff val="5000"/>
+            </a:schemeClr>
+          </a:solidFill>
+          <a:ln>
+            <a:noFill/>
+          </a:ln>
+          <a:effectLst>
+            <a:outerShdw blurRad="63500" sx="102000" sy="102000" algn="ctr" rotWithShape="0">
+              <a:prstClr val="black"/>
+            </a:outerShdw>
+          </a:effectLst>
+        </p:spPr>
+        <p:style>
+          <a:lnRef idx="1">
+            <a:schemeClr val="dk1"/>
+          </a:lnRef>
+          <a:fillRef idx="3">
+            <a:schemeClr val="dk1"/>
+          </a:fillRef>
+          <a:effectRef idx="2">
+            <a:schemeClr val="dk1"/>
+          </a:effectRef>
+          <a:fontRef idx="minor">
+            <a:schemeClr val="lt1"/>
+          </a:fontRef>
+        </p:style>
+        <p:txBody>
+          <a:bodyPr rtlCol="0" anchor="ctr"/>
+          <a:lstStyle/>
+          <a:p>
+            <a:pPr algn="ctr"/>
+            <a:endParaRPr lang="en-US" sz="2082" b="1">
+              <a:ln w="22225">
+                <a:solidFill>
+                  <a:schemeClr val="accent2"/>
+                </a:solidFill>
+                <a:prstDash val="solid"/>
+              </a:ln>
+              <a:solidFill>
+                <a:schemeClr val="accent2">
+                  <a:lumMod val="40000"/>
+                  <a:lumOff val="60000"/>
+                </a:schemeClr>
+              </a:solidFill>
+            </a:endParaRPr>
+          </a:p>
+        </p:txBody>
+      </p:sp>
+      <p:sp>
+        <p:nvSpPr>
+          <p:cNvPr id="47" name="Rectangle: Rounded Corners 46">
+            <a:extLst>
+              <a:ext uri="{FF2B5EF4-FFF2-40B4-BE49-F238E27FC236}">
+                <a16:creationId xmlns:a16="http://schemas.microsoft.com/office/drawing/2014/main" id="{69301667-701F-5DAD-5413-E92168BBBA43}"/>
+              </a:ext>
+            </a:extLst>
+          </p:cNvPr>
+          <p:cNvSpPr/>
+          <p:nvPr/>
+        </p:nvSpPr>
+        <p:spPr>
+          <a:xfrm>
+            <a:off x="431055" y="4088680"/>
+            <a:ext cx="1565164" cy="454808"/>
+          </a:xfrm>
+          <a:prstGeom prst="roundRect">
+            <a:avLst/>
+          </a:prstGeom>
+          <a:solidFill>
+            <a:schemeClr val="bg2">
+              <a:lumMod val="25000"/>
+            </a:schemeClr>
+          </a:solidFill>
+          <a:ln>
+            <a:noFill/>
+          </a:ln>
+          <a:effectLst>
+            <a:outerShdw blurRad="63500" sx="102000" sy="102000" algn="ctr" rotWithShape="0">
+              <a:prstClr val="black"/>
+            </a:outerShdw>
+          </a:effectLst>
+        </p:spPr>
+        <p:style>
+          <a:lnRef idx="1">
+            <a:schemeClr val="dk1"/>
+          </a:lnRef>
+          <a:fillRef idx="3">
+            <a:schemeClr val="dk1"/>
+          </a:fillRef>
+          <a:effectRef idx="2">
+            <a:schemeClr val="dk1"/>
+          </a:effectRef>
+          <a:fontRef idx="minor">
+            <a:schemeClr val="lt1"/>
+          </a:fontRef>
+        </p:style>
+        <p:txBody>
+          <a:bodyPr rtlCol="0" anchor="ctr"/>
+          <a:lstStyle/>
+          <a:p>
+            <a:pPr algn="ctr"/>
+            <a:endParaRPr lang="en-US" sz="2082"/>
+          </a:p>
+        </p:txBody>
+      </p:sp>
+      <p:pic>
+        <p:nvPicPr>
+          <p:cNvPr id="49" name="Picture 48">
+            <a:extLst>
+              <a:ext uri="{FF2B5EF4-FFF2-40B4-BE49-F238E27FC236}">
+                <a16:creationId xmlns:a16="http://schemas.microsoft.com/office/drawing/2014/main" id="{26FBEF4D-9C8B-F2E3-09CB-B2E79F4AEA30}"/>
+              </a:ext>
+            </a:extLst>
+          </p:cNvPr>
+          <p:cNvPicPr>
+            <a:picLocks noChangeAspect="1"/>
+          </p:cNvPicPr>
+          <p:nvPr/>
+        </p:nvPicPr>
+        <p:blipFill>
+          <a:blip r:embed="rId2">
+            <a:lum bright="70000" contrast="-70000"/>
+            <a:extLst>
+              <a:ext uri="{28A0092B-C50C-407E-A947-70E740481C1C}">
+                <a14:useLocalDpi xmlns:a14="http://schemas.microsoft.com/office/drawing/2010/main" val="0"/>
+              </a:ext>
+            </a:extLst>
+          </a:blip>
+          <a:srcRect/>
+          <a:stretch/>
+        </p:blipFill>
+        <p:spPr>
+          <a:xfrm>
+            <a:off x="498488" y="334868"/>
+            <a:ext cx="1430298" cy="1430298"/>
+          </a:xfrm>
+          <a:prstGeom prst="rect">
+            <a:avLst/>
+          </a:prstGeom>
+        </p:spPr>
+      </p:pic>
+      <p:sp>
+        <p:nvSpPr>
+          <p:cNvPr id="2" name="TextBox 1">
+            <a:extLst>
+              <a:ext uri="{FF2B5EF4-FFF2-40B4-BE49-F238E27FC236}">
+                <a16:creationId xmlns:a16="http://schemas.microsoft.com/office/drawing/2014/main" id="{FE9BF114-1C02-FC15-9527-016F02566800}"/>
+              </a:ext>
+            </a:extLst>
+          </p:cNvPr>
+          <p:cNvSpPr txBox="1"/>
+          <p:nvPr/>
+        </p:nvSpPr>
+        <p:spPr>
+          <a:xfrm>
+            <a:off x="431055" y="4836759"/>
+            <a:ext cx="1153331" cy="369332"/>
+          </a:xfrm>
+          <a:prstGeom prst="rect">
+            <a:avLst/>
+          </a:prstGeom>
+          <a:noFill/>
+        </p:spPr>
+        <p:txBody>
+          <a:bodyPr wrap="square" rtlCol="0">
+            <a:spAutoFit/>
+          </a:bodyPr>
+          <a:lstStyle/>
+          <a:p>
+            <a:r>
+              <a:rPr lang="en-US" dirty="0">
+                <a:solidFill>
+                  <a:schemeClr val="bg1"/>
+                </a:solidFill>
+                <a:latin typeface="Open Sans" pitchFamily="2" charset="0"/>
+                <a:ea typeface="Open Sans" pitchFamily="2" charset="0"/>
+                <a:cs typeface="Open Sans" pitchFamily="2" charset="0"/>
+              </a:rPr>
+              <a:t>Filters</a:t>
+            </a:r>
+          </a:p>
+        </p:txBody>
+      </p:sp>
+      <p:sp>
+        <p:nvSpPr>
+          <p:cNvPr id="15" name="Rectangle: Rounded Corners 14">
+            <a:extLst>
+              <a:ext uri="{FF2B5EF4-FFF2-40B4-BE49-F238E27FC236}">
+                <a16:creationId xmlns:a16="http://schemas.microsoft.com/office/drawing/2014/main" id="{4BCD2675-EB74-741E-89DD-A95BC8291189}"/>
+              </a:ext>
+            </a:extLst>
+          </p:cNvPr>
+          <p:cNvSpPr/>
+          <p:nvPr/>
+        </p:nvSpPr>
+        <p:spPr>
+          <a:xfrm>
+            <a:off x="2495366" y="1877889"/>
+            <a:ext cx="5942456" cy="2048098"/>
+          </a:xfrm>
+          <a:prstGeom prst="roundRect">
+            <a:avLst>
+              <a:gd name="adj" fmla="val 11596"/>
+            </a:avLst>
+          </a:prstGeom>
+          <a:solidFill>
+            <a:schemeClr val="bg1"/>
+          </a:solidFill>
+          <a:ln>
+            <a:noFill/>
+          </a:ln>
+          <a:effectLst>
+            <a:outerShdw blurRad="63500" sx="102000" sy="102000" algn="ctr" rotWithShape="0">
+              <a:prstClr val="black">
+                <a:alpha val="10000"/>
+              </a:prstClr>
+            </a:outerShdw>
+          </a:effectLst>
+        </p:spPr>
+        <p:style>
+          <a:lnRef idx="2">
+            <a:schemeClr val="accent1">
+              <a:shade val="15000"/>
+            </a:schemeClr>
+          </a:lnRef>
+          <a:fillRef idx="1">
+            <a:schemeClr val="accent1"/>
+          </a:fillRef>
+          <a:effectRef idx="0">
+            <a:schemeClr val="accent1"/>
+          </a:effectRef>
+          <a:fontRef idx="minor">
+            <a:schemeClr val="lt1"/>
+          </a:fontRef>
+        </p:style>
+        <p:txBody>
+          <a:bodyPr rtlCol="0" anchor="ctr"/>
+          <a:lstStyle/>
+          <a:p>
+            <a:pPr algn="ctr"/>
+            <a:endParaRPr lang="en-US" sz="2082"/>
+          </a:p>
+        </p:txBody>
+      </p:sp>
+    </p:spTree>
+    <p:extLst>
+      <p:ext uri="{BB962C8B-B14F-4D97-AF65-F5344CB8AC3E}">
+        <p14:creationId xmlns:p14="http://schemas.microsoft.com/office/powerpoint/2010/main" val="2898408571"/>
+      </p:ext>
+    </p:extLst>
+  </p:cSld>
+  <p:clrMapOvr>
+    <a:masterClrMapping/>
+  </p:clrMapOvr>
+</p:sld>
+</file>
+
+<file path=ppt/slides/slide4.xml><?xml version="1.0" encoding="utf-8"?>
+<p:sld xmlns:a="http://schemas.openxmlformats.org/drawingml/2006/main" xmlns:r="http://schemas.openxmlformats.org/officeDocument/2006/relationships" xmlns:p="http://schemas.openxmlformats.org/presentationml/2006/main">
+  <p:cSld>
+    <p:spTree>
+      <p:nvGrpSpPr>
+        <p:cNvPr id="1" name="">
+          <a:extLst>
+            <a:ext uri="{FF2B5EF4-FFF2-40B4-BE49-F238E27FC236}">
+              <a16:creationId xmlns:a16="http://schemas.microsoft.com/office/drawing/2014/main" id="{578CAB60-CAEC-B1CF-69A8-1E79A9E464B9}"/>
+            </a:ext>
+          </a:extLst>
+        </p:cNvPr>
+        <p:cNvGrpSpPr/>
+        <p:nvPr/>
+      </p:nvGrpSpPr>
+      <p:grpSpPr>
+        <a:xfrm>
+          <a:off x="0" y="0"/>
+          <a:ext cx="0" cy="0"/>
+          <a:chOff x="0" y="0"/>
+          <a:chExt cx="0" cy="0"/>
+        </a:xfrm>
+      </p:grpSpPr>
+      <p:sp>
+        <p:nvSpPr>
+          <p:cNvPr id="4" name="Rectangle 3">
+            <a:extLst>
+              <a:ext uri="{FF2B5EF4-FFF2-40B4-BE49-F238E27FC236}">
+                <a16:creationId xmlns:a16="http://schemas.microsoft.com/office/drawing/2014/main" id="{CC47651A-2383-4576-7446-A95DD2128B78}"/>
+              </a:ext>
+            </a:extLst>
+          </p:cNvPr>
+          <p:cNvSpPr/>
+          <p:nvPr/>
+        </p:nvSpPr>
+        <p:spPr>
+          <a:xfrm>
+            <a:off x="0" y="4"/>
+            <a:ext cx="15049500" cy="6857996"/>
+          </a:xfrm>
+          <a:prstGeom prst="rect">
+            <a:avLst/>
+          </a:prstGeom>
+          <a:solidFill>
+            <a:schemeClr val="bg1">
+              <a:lumMod val="95000"/>
+            </a:schemeClr>
+          </a:solidFill>
+          <a:ln>
+            <a:noFill/>
+          </a:ln>
+        </p:spPr>
+        <p:style>
+          <a:lnRef idx="2">
+            <a:schemeClr val="accent1">
+              <a:shade val="15000"/>
+            </a:schemeClr>
+          </a:lnRef>
+          <a:fillRef idx="1">
+            <a:schemeClr val="accent1"/>
+          </a:fillRef>
+          <a:effectRef idx="0">
+            <a:schemeClr val="accent1"/>
+          </a:effectRef>
+          <a:fontRef idx="minor">
+            <a:schemeClr val="lt1"/>
+          </a:fontRef>
+        </p:style>
+        <p:txBody>
+          <a:bodyPr rtlCol="0" anchor="ctr"/>
+          <a:lstStyle/>
+          <a:p>
+            <a:pPr algn="ctr"/>
+            <a:endParaRPr lang="en-US" sz="2082"/>
+          </a:p>
+        </p:txBody>
+      </p:sp>
+      <p:sp>
+        <p:nvSpPr>
+          <p:cNvPr id="5" name="Rectangle: Rounded Corners 4">
+            <a:extLst>
+              <a:ext uri="{FF2B5EF4-FFF2-40B4-BE49-F238E27FC236}">
+                <a16:creationId xmlns:a16="http://schemas.microsoft.com/office/drawing/2014/main" id="{701F067A-2742-C1EF-150C-3326EC843C5A}"/>
+              </a:ext>
+            </a:extLst>
+          </p:cNvPr>
+          <p:cNvSpPr/>
+          <p:nvPr/>
+        </p:nvSpPr>
+        <p:spPr>
+          <a:xfrm>
+            <a:off x="141901" y="162695"/>
+            <a:ext cx="14751306" cy="6532612"/>
+          </a:xfrm>
+          <a:prstGeom prst="roundRect">
+            <a:avLst>
+              <a:gd name="adj" fmla="val 4677"/>
+            </a:avLst>
+          </a:prstGeom>
+          <a:solidFill>
+            <a:schemeClr val="tx1">
+              <a:lumMod val="85000"/>
+              <a:lumOff val="15000"/>
+            </a:schemeClr>
+          </a:solidFill>
+        </p:spPr>
+        <p:style>
+          <a:lnRef idx="2">
+            <a:schemeClr val="accent1">
+              <a:shade val="15000"/>
+            </a:schemeClr>
+          </a:lnRef>
+          <a:fillRef idx="1">
+            <a:schemeClr val="accent1"/>
+          </a:fillRef>
+          <a:effectRef idx="0">
+            <a:schemeClr val="accent1"/>
+          </a:effectRef>
+          <a:fontRef idx="minor">
+            <a:schemeClr val="lt1"/>
+          </a:fontRef>
+        </p:style>
+        <p:txBody>
+          <a:bodyPr rtlCol="0" anchor="ctr"/>
+          <a:lstStyle/>
+          <a:p>
+            <a:pPr algn="ctr"/>
+            <a:endParaRPr lang="en-US" sz="2082" dirty="0"/>
+          </a:p>
+        </p:txBody>
+      </p:sp>
+      <p:sp>
+        <p:nvSpPr>
+          <p:cNvPr id="10" name="Rectangle: Rounded Corners 9">
+            <a:extLst>
+              <a:ext uri="{FF2B5EF4-FFF2-40B4-BE49-F238E27FC236}">
+                <a16:creationId xmlns:a16="http://schemas.microsoft.com/office/drawing/2014/main" id="{AF506D9A-152E-B905-9638-D25C41773FB7}"/>
+              </a:ext>
+            </a:extLst>
+          </p:cNvPr>
+          <p:cNvSpPr/>
+          <p:nvPr/>
+        </p:nvSpPr>
+        <p:spPr>
+          <a:xfrm>
+            <a:off x="2283442" y="332847"/>
+            <a:ext cx="12470446" cy="6173614"/>
+          </a:xfrm>
+          <a:prstGeom prst="roundRect">
+            <a:avLst>
+              <a:gd name="adj" fmla="val 4677"/>
+            </a:avLst>
+          </a:prstGeom>
+          <a:solidFill>
+            <a:schemeClr val="bg1">
+              <a:lumMod val="95000"/>
+            </a:schemeClr>
+          </a:solidFill>
+          <a:ln>
+            <a:noFill/>
+          </a:ln>
+        </p:spPr>
+        <p:style>
+          <a:lnRef idx="2">
+            <a:schemeClr val="accent6"/>
+          </a:lnRef>
+          <a:fillRef idx="1">
+            <a:schemeClr val="lt1"/>
+          </a:fillRef>
+          <a:effectRef idx="0">
+            <a:schemeClr val="accent6"/>
+          </a:effectRef>
+          <a:fontRef idx="minor">
+            <a:schemeClr val="dk1"/>
+          </a:fontRef>
+        </p:style>
+        <p:txBody>
+          <a:bodyPr rtlCol="0" anchor="ctr"/>
+          <a:lstStyle/>
+          <a:p>
+            <a:pPr algn="ctr"/>
+            <a:endParaRPr lang="en-US" sz="2082"/>
+          </a:p>
+        </p:txBody>
+      </p:sp>
+      <p:sp>
+        <p:nvSpPr>
+          <p:cNvPr id="11" name="Rectangle: Rounded Corners 10">
+            <a:extLst>
+              <a:ext uri="{FF2B5EF4-FFF2-40B4-BE49-F238E27FC236}">
+                <a16:creationId xmlns:a16="http://schemas.microsoft.com/office/drawing/2014/main" id="{24DCCFA4-D130-59D9-8CAB-28AFC71C5F1A}"/>
+              </a:ext>
+            </a:extLst>
+          </p:cNvPr>
+          <p:cNvSpPr/>
+          <p:nvPr/>
+        </p:nvSpPr>
+        <p:spPr>
+          <a:xfrm>
+            <a:off x="2538360" y="465422"/>
+            <a:ext cx="1840536" cy="1249776"/>
+          </a:xfrm>
+          <a:prstGeom prst="roundRect">
+            <a:avLst/>
+          </a:prstGeom>
+          <a:solidFill>
+            <a:schemeClr val="bg1"/>
+          </a:solidFill>
+          <a:ln>
+            <a:noFill/>
+          </a:ln>
+          <a:effectLst>
+            <a:outerShdw blurRad="63500" sx="102000" sy="102000" algn="ctr" rotWithShape="0">
+              <a:prstClr val="black">
+                <a:alpha val="10000"/>
+              </a:prstClr>
+            </a:outerShdw>
+          </a:effectLst>
+        </p:spPr>
+        <p:style>
+          <a:lnRef idx="2">
+            <a:schemeClr val="accent1">
+              <a:shade val="15000"/>
+            </a:schemeClr>
+          </a:lnRef>
+          <a:fillRef idx="1">
+            <a:schemeClr val="accent1"/>
+          </a:fillRef>
+          <a:effectRef idx="0">
+            <a:schemeClr val="accent1"/>
+          </a:effectRef>
+          <a:fontRef idx="minor">
+            <a:schemeClr val="lt1"/>
+          </a:fontRef>
+        </p:style>
+        <p:txBody>
+          <a:bodyPr rtlCol="0" anchor="ctr"/>
+          <a:lstStyle/>
+          <a:p>
+            <a:pPr algn="ctr"/>
+            <a:endParaRPr lang="en-US" sz="2082"/>
+          </a:p>
+        </p:txBody>
+      </p:sp>
+      <p:sp>
+        <p:nvSpPr>
+          <p:cNvPr id="31" name="Rectangle: Rounded Corners 30">
+            <a:extLst>
+              <a:ext uri="{FF2B5EF4-FFF2-40B4-BE49-F238E27FC236}">
+                <a16:creationId xmlns:a16="http://schemas.microsoft.com/office/drawing/2014/main" id="{31BDD974-9CB8-035E-E6D1-F355629D9825}"/>
+              </a:ext>
+            </a:extLst>
+          </p:cNvPr>
+          <p:cNvSpPr/>
+          <p:nvPr/>
+        </p:nvSpPr>
+        <p:spPr>
+          <a:xfrm>
+            <a:off x="4586269" y="467649"/>
+            <a:ext cx="1840536" cy="1249776"/>
+          </a:xfrm>
+          <a:prstGeom prst="roundRect">
+            <a:avLst/>
+          </a:prstGeom>
+          <a:solidFill>
+            <a:schemeClr val="bg1"/>
+          </a:solidFill>
+          <a:ln>
+            <a:noFill/>
+          </a:ln>
+          <a:effectLst>
+            <a:outerShdw blurRad="63500" sx="102000" sy="102000" algn="ctr" rotWithShape="0">
+              <a:prstClr val="black">
+                <a:alpha val="10000"/>
+              </a:prstClr>
+            </a:outerShdw>
+          </a:effectLst>
+        </p:spPr>
+        <p:style>
+          <a:lnRef idx="2">
+            <a:schemeClr val="accent1">
+              <a:shade val="15000"/>
+            </a:schemeClr>
+          </a:lnRef>
+          <a:fillRef idx="1">
+            <a:schemeClr val="accent1"/>
+          </a:fillRef>
+          <a:effectRef idx="0">
+            <a:schemeClr val="accent1"/>
+          </a:effectRef>
+          <a:fontRef idx="minor">
+            <a:schemeClr val="lt1"/>
+          </a:fontRef>
+        </p:style>
+        <p:txBody>
+          <a:bodyPr rtlCol="0" anchor="ctr"/>
+          <a:lstStyle/>
+          <a:p>
+            <a:pPr algn="ctr"/>
+            <a:endParaRPr lang="en-US" sz="2082"/>
+          </a:p>
+        </p:txBody>
+      </p:sp>
+      <p:sp>
+        <p:nvSpPr>
+          <p:cNvPr id="33" name="Rectangle: Rounded Corners 32">
+            <a:extLst>
+              <a:ext uri="{FF2B5EF4-FFF2-40B4-BE49-F238E27FC236}">
+                <a16:creationId xmlns:a16="http://schemas.microsoft.com/office/drawing/2014/main" id="{E738A87F-4EEE-34C0-7061-2B5ADE9F40D8}"/>
+              </a:ext>
+            </a:extLst>
+          </p:cNvPr>
+          <p:cNvSpPr/>
+          <p:nvPr/>
+        </p:nvSpPr>
+        <p:spPr>
+          <a:xfrm>
+            <a:off x="6597286" y="466128"/>
+            <a:ext cx="1840536" cy="1249776"/>
+          </a:xfrm>
+          <a:prstGeom prst="roundRect">
+            <a:avLst/>
+          </a:prstGeom>
+          <a:solidFill>
+            <a:schemeClr val="bg1"/>
+          </a:solidFill>
+          <a:ln>
+            <a:noFill/>
+          </a:ln>
+          <a:effectLst>
+            <a:outerShdw blurRad="63500" sx="102000" sy="102000" algn="ctr" rotWithShape="0">
+              <a:prstClr val="black">
+                <a:alpha val="10000"/>
+              </a:prstClr>
+            </a:outerShdw>
+          </a:effectLst>
+        </p:spPr>
+        <p:style>
+          <a:lnRef idx="2">
+            <a:schemeClr val="accent1">
+              <a:shade val="15000"/>
+            </a:schemeClr>
+          </a:lnRef>
+          <a:fillRef idx="1">
+            <a:schemeClr val="accent1"/>
+          </a:fillRef>
+          <a:effectRef idx="0">
+            <a:schemeClr val="accent1"/>
+          </a:effectRef>
+          <a:fontRef idx="minor">
+            <a:schemeClr val="lt1"/>
+          </a:fontRef>
+        </p:style>
+        <p:txBody>
+          <a:bodyPr rtlCol="0" anchor="ctr"/>
+          <a:lstStyle/>
+          <a:p>
+            <a:pPr algn="ctr"/>
+            <a:endParaRPr lang="en-US" sz="2082"/>
+          </a:p>
+        </p:txBody>
+      </p:sp>
+      <p:sp>
+        <p:nvSpPr>
+          <p:cNvPr id="36" name="Rectangle: Rounded Corners 35">
+            <a:extLst>
+              <a:ext uri="{FF2B5EF4-FFF2-40B4-BE49-F238E27FC236}">
+                <a16:creationId xmlns:a16="http://schemas.microsoft.com/office/drawing/2014/main" id="{42B7AA34-6FFB-3760-BDE7-E5BB12DC9530}"/>
+              </a:ext>
+            </a:extLst>
+          </p:cNvPr>
+          <p:cNvSpPr/>
+          <p:nvPr/>
+        </p:nvSpPr>
+        <p:spPr>
+          <a:xfrm>
+            <a:off x="8682087" y="470692"/>
+            <a:ext cx="5936354" cy="2474896"/>
+          </a:xfrm>
+          <a:prstGeom prst="roundRect">
+            <a:avLst>
+              <a:gd name="adj" fmla="val 11596"/>
+            </a:avLst>
+          </a:prstGeom>
+          <a:solidFill>
+            <a:schemeClr val="bg1"/>
+          </a:solidFill>
+          <a:ln>
+            <a:noFill/>
+          </a:ln>
+          <a:effectLst>
+            <a:outerShdw blurRad="63500" sx="102000" sy="102000" algn="ctr" rotWithShape="0">
+              <a:prstClr val="black">
+                <a:alpha val="10000"/>
+              </a:prstClr>
+            </a:outerShdw>
+          </a:effectLst>
+        </p:spPr>
+        <p:style>
+          <a:lnRef idx="2">
+            <a:schemeClr val="accent1">
+              <a:shade val="15000"/>
+            </a:schemeClr>
+          </a:lnRef>
+          <a:fillRef idx="1">
+            <a:schemeClr val="accent1"/>
+          </a:fillRef>
+          <a:effectRef idx="0">
+            <a:schemeClr val="accent1"/>
+          </a:effectRef>
+          <a:fontRef idx="minor">
+            <a:schemeClr val="lt1"/>
+          </a:fontRef>
+        </p:style>
+        <p:txBody>
+          <a:bodyPr rtlCol="0" anchor="ctr"/>
+          <a:lstStyle/>
+          <a:p>
+            <a:pPr algn="ctr"/>
+            <a:endParaRPr lang="en-US" sz="2082"/>
+          </a:p>
+        </p:txBody>
+      </p:sp>
+      <p:sp>
+        <p:nvSpPr>
+          <p:cNvPr id="42" name="Rectangle: Rounded Corners 41">
+            <a:extLst>
+              <a:ext uri="{FF2B5EF4-FFF2-40B4-BE49-F238E27FC236}">
+                <a16:creationId xmlns:a16="http://schemas.microsoft.com/office/drawing/2014/main" id="{0B82B16F-9304-F536-EE52-F3E9312D13A8}"/>
+              </a:ext>
+            </a:extLst>
+          </p:cNvPr>
+          <p:cNvSpPr/>
+          <p:nvPr/>
+        </p:nvSpPr>
+        <p:spPr>
+          <a:xfrm>
+            <a:off x="8729633" y="3108281"/>
+            <a:ext cx="5888808" cy="3309921"/>
+          </a:xfrm>
+          <a:prstGeom prst="roundRect">
+            <a:avLst>
+              <a:gd name="adj" fmla="val 11596"/>
+            </a:avLst>
+          </a:prstGeom>
+          <a:solidFill>
+            <a:schemeClr val="bg1"/>
+          </a:solidFill>
+          <a:ln>
+            <a:noFill/>
+          </a:ln>
+          <a:effectLst>
+            <a:outerShdw blurRad="63500" sx="102000" sy="102000" algn="ctr" rotWithShape="0">
+              <a:prstClr val="black">
+                <a:alpha val="10000"/>
+              </a:prstClr>
+            </a:outerShdw>
+          </a:effectLst>
+        </p:spPr>
+        <p:style>
+          <a:lnRef idx="2">
+            <a:schemeClr val="accent1">
+              <a:shade val="15000"/>
+            </a:schemeClr>
+          </a:lnRef>
+          <a:fillRef idx="1">
+            <a:schemeClr val="accent1"/>
+          </a:fillRef>
+          <a:effectRef idx="0">
+            <a:schemeClr val="accent1"/>
+          </a:effectRef>
+          <a:fontRef idx="minor">
+            <a:schemeClr val="lt1"/>
+          </a:fontRef>
+        </p:style>
+        <p:txBody>
+          <a:bodyPr rtlCol="0" anchor="ctr"/>
+          <a:lstStyle/>
+          <a:p>
+            <a:pPr algn="ctr"/>
+            <a:endParaRPr lang="en-US" sz="2082"/>
+          </a:p>
+        </p:txBody>
+      </p:sp>
+      <p:sp>
+        <p:nvSpPr>
+          <p:cNvPr id="43" name="Rectangle: Rounded Corners 42">
+            <a:extLst>
+              <a:ext uri="{FF2B5EF4-FFF2-40B4-BE49-F238E27FC236}">
+                <a16:creationId xmlns:a16="http://schemas.microsoft.com/office/drawing/2014/main" id="{393F4AE1-4D0C-32F0-7C77-74A709DF2723}"/>
+              </a:ext>
+            </a:extLst>
+          </p:cNvPr>
+          <p:cNvSpPr/>
+          <p:nvPr/>
+        </p:nvSpPr>
+        <p:spPr>
+          <a:xfrm>
+            <a:off x="431059" y="1939312"/>
+            <a:ext cx="1565164" cy="454808"/>
+          </a:xfrm>
+          <a:prstGeom prst="roundRect">
+            <a:avLst/>
+          </a:prstGeom>
+          <a:solidFill>
+            <a:schemeClr val="bg2">
+              <a:lumMod val="25000"/>
+            </a:schemeClr>
+          </a:solidFill>
+          <a:ln>
+            <a:noFill/>
+          </a:ln>
+          <a:effectLst>
+            <a:outerShdw blurRad="63500" sx="102000" sy="102000" algn="ctr" rotWithShape="0">
+              <a:prstClr val="black"/>
+            </a:outerShdw>
+          </a:effectLst>
+        </p:spPr>
+        <p:style>
+          <a:lnRef idx="1">
+            <a:schemeClr val="dk1"/>
+          </a:lnRef>
+          <a:fillRef idx="3">
+            <a:schemeClr val="dk1"/>
+          </a:fillRef>
+          <a:effectRef idx="2">
+            <a:schemeClr val="dk1"/>
+          </a:effectRef>
+          <a:fontRef idx="minor">
+            <a:schemeClr val="lt1"/>
+          </a:fontRef>
+        </p:style>
+        <p:txBody>
+          <a:bodyPr rtlCol="0" anchor="ctr"/>
+          <a:lstStyle/>
+          <a:p>
+            <a:pPr algn="ctr"/>
+            <a:endParaRPr lang="en-US" sz="2082"/>
+          </a:p>
+        </p:txBody>
+      </p:sp>
+      <p:sp>
+        <p:nvSpPr>
+          <p:cNvPr id="45" name="Rectangle: Rounded Corners 44">
+            <a:extLst>
+              <a:ext uri="{FF2B5EF4-FFF2-40B4-BE49-F238E27FC236}">
+                <a16:creationId xmlns:a16="http://schemas.microsoft.com/office/drawing/2014/main" id="{19B7373B-0D54-A830-27D8-B5A864A92744}"/>
+              </a:ext>
+            </a:extLst>
+          </p:cNvPr>
+          <p:cNvSpPr/>
+          <p:nvPr/>
+        </p:nvSpPr>
+        <p:spPr>
+          <a:xfrm>
+            <a:off x="431057" y="2653474"/>
+            <a:ext cx="1565164" cy="454808"/>
+          </a:xfrm>
+          <a:prstGeom prst="roundRect">
+            <a:avLst/>
+          </a:prstGeom>
+          <a:solidFill>
+            <a:schemeClr val="bg2">
+              <a:lumMod val="25000"/>
+            </a:schemeClr>
+          </a:solidFill>
+          <a:ln>
+            <a:noFill/>
+          </a:ln>
+          <a:effectLst>
+            <a:outerShdw blurRad="63500" sx="102000" sy="102000" algn="ctr" rotWithShape="0">
+              <a:prstClr val="black"/>
+            </a:outerShdw>
+          </a:effectLst>
+        </p:spPr>
+        <p:style>
+          <a:lnRef idx="1">
+            <a:schemeClr val="dk1"/>
+          </a:lnRef>
+          <a:fillRef idx="3">
+            <a:schemeClr val="dk1"/>
+          </a:fillRef>
+          <a:effectRef idx="2">
+            <a:schemeClr val="dk1"/>
+          </a:effectRef>
+          <a:fontRef idx="minor">
+            <a:schemeClr val="lt1"/>
+          </a:fontRef>
+        </p:style>
+        <p:txBody>
+          <a:bodyPr rtlCol="0" anchor="ctr"/>
+          <a:lstStyle/>
+          <a:p>
+            <a:pPr algn="ctr"/>
+            <a:endParaRPr lang="en-US" sz="2082"/>
+          </a:p>
+        </p:txBody>
+      </p:sp>
+      <p:sp>
+        <p:nvSpPr>
+          <p:cNvPr id="46" name="Rectangle: Rounded Corners 45">
+            <a:extLst>
+              <a:ext uri="{FF2B5EF4-FFF2-40B4-BE49-F238E27FC236}">
+                <a16:creationId xmlns:a16="http://schemas.microsoft.com/office/drawing/2014/main" id="{CE74B680-EAC4-53A8-C3E1-26EFC9D2E6B0}"/>
+              </a:ext>
+            </a:extLst>
+          </p:cNvPr>
+          <p:cNvSpPr/>
+          <p:nvPr/>
+        </p:nvSpPr>
+        <p:spPr>
+          <a:xfrm>
+            <a:off x="431056" y="3367637"/>
+            <a:ext cx="1565164" cy="454808"/>
+          </a:xfrm>
+          <a:prstGeom prst="roundRect">
+            <a:avLst/>
+          </a:prstGeom>
+          <a:solidFill>
+            <a:schemeClr val="bg2">
+              <a:lumMod val="25000"/>
+            </a:schemeClr>
+          </a:solidFill>
+          <a:ln>
+            <a:noFill/>
+          </a:ln>
+          <a:effectLst>
+            <a:outerShdw blurRad="63500" sx="102000" sy="102000" algn="ctr" rotWithShape="0">
+              <a:prstClr val="black"/>
+            </a:outerShdw>
+          </a:effectLst>
+        </p:spPr>
+        <p:style>
+          <a:lnRef idx="1">
+            <a:schemeClr val="dk1"/>
+          </a:lnRef>
+          <a:fillRef idx="3">
+            <a:schemeClr val="dk1"/>
+          </a:fillRef>
+          <a:effectRef idx="2">
+            <a:schemeClr val="dk1"/>
+          </a:effectRef>
+          <a:fontRef idx="minor">
+            <a:schemeClr val="lt1"/>
+          </a:fontRef>
+        </p:style>
+        <p:txBody>
+          <a:bodyPr rtlCol="0" anchor="ctr"/>
+          <a:lstStyle/>
+          <a:p>
+            <a:pPr algn="ctr"/>
+            <a:endParaRPr lang="en-US" sz="2082"/>
+          </a:p>
+        </p:txBody>
+      </p:sp>
+      <p:sp>
+        <p:nvSpPr>
+          <p:cNvPr id="47" name="Rectangle: Rounded Corners 46">
+            <a:extLst>
+              <a:ext uri="{FF2B5EF4-FFF2-40B4-BE49-F238E27FC236}">
+                <a16:creationId xmlns:a16="http://schemas.microsoft.com/office/drawing/2014/main" id="{3293BE60-DFC7-5CBD-C725-2C41B89001C9}"/>
+              </a:ext>
+            </a:extLst>
+          </p:cNvPr>
+          <p:cNvSpPr/>
+          <p:nvPr/>
+        </p:nvSpPr>
+        <p:spPr>
+          <a:xfrm>
+            <a:off x="431055" y="4088680"/>
+            <a:ext cx="1565164" cy="454808"/>
+          </a:xfrm>
+          <a:prstGeom prst="roundRect">
+            <a:avLst/>
+          </a:prstGeom>
+          <a:solidFill>
+            <a:schemeClr val="tx1">
+              <a:lumMod val="95000"/>
+              <a:lumOff val="5000"/>
+            </a:schemeClr>
+          </a:solidFill>
+          <a:ln>
+            <a:noFill/>
+          </a:ln>
+          <a:effectLst>
+            <a:outerShdw blurRad="63500" sx="102000" sy="102000" algn="ctr" rotWithShape="0">
+              <a:prstClr val="black"/>
+            </a:outerShdw>
+          </a:effectLst>
+        </p:spPr>
+        <p:style>
+          <a:lnRef idx="1">
+            <a:schemeClr val="dk1"/>
+          </a:lnRef>
+          <a:fillRef idx="3">
+            <a:schemeClr val="dk1"/>
+          </a:fillRef>
+          <a:effectRef idx="2">
+            <a:schemeClr val="dk1"/>
+          </a:effectRef>
+          <a:fontRef idx="minor">
+            <a:schemeClr val="lt1"/>
+          </a:fontRef>
+        </p:style>
+        <p:txBody>
+          <a:bodyPr rtlCol="0" anchor="ctr"/>
+          <a:lstStyle/>
+          <a:p>
+            <a:pPr algn="ctr"/>
+            <a:endParaRPr lang="en-US" sz="2082" b="1">
+              <a:ln w="22225">
+                <a:solidFill>
+                  <a:schemeClr val="accent2"/>
+                </a:solidFill>
+                <a:prstDash val="solid"/>
+              </a:ln>
+              <a:solidFill>
+                <a:schemeClr val="accent2">
+                  <a:lumMod val="40000"/>
+                  <a:lumOff val="60000"/>
+                </a:schemeClr>
+              </a:solidFill>
+            </a:endParaRPr>
+          </a:p>
+        </p:txBody>
+      </p:sp>
+      <p:pic>
+        <p:nvPicPr>
+          <p:cNvPr id="49" name="Picture 48">
+            <a:extLst>
+              <a:ext uri="{FF2B5EF4-FFF2-40B4-BE49-F238E27FC236}">
+                <a16:creationId xmlns:a16="http://schemas.microsoft.com/office/drawing/2014/main" id="{D39C9461-806D-C375-7BFA-BFABC044AED5}"/>
+              </a:ext>
+            </a:extLst>
+          </p:cNvPr>
+          <p:cNvPicPr>
+            <a:picLocks noChangeAspect="1"/>
+          </p:cNvPicPr>
+          <p:nvPr/>
+        </p:nvPicPr>
+        <p:blipFill>
+          <a:blip r:embed="rId2">
+            <a:lum bright="70000" contrast="-70000"/>
+            <a:extLst>
+              <a:ext uri="{28A0092B-C50C-407E-A947-70E740481C1C}">
+                <a14:useLocalDpi xmlns:a14="http://schemas.microsoft.com/office/drawing/2010/main" val="0"/>
+              </a:ext>
+            </a:extLst>
+          </a:blip>
+          <a:srcRect/>
+          <a:stretch/>
+        </p:blipFill>
+        <p:spPr>
+          <a:xfrm>
+            <a:off x="498488" y="334868"/>
+            <a:ext cx="1430298" cy="1430298"/>
+          </a:xfrm>
+          <a:prstGeom prst="rect">
+            <a:avLst/>
+          </a:prstGeom>
+        </p:spPr>
+      </p:pic>
+      <p:sp>
+        <p:nvSpPr>
+          <p:cNvPr id="2" name="TextBox 1">
+            <a:extLst>
+              <a:ext uri="{FF2B5EF4-FFF2-40B4-BE49-F238E27FC236}">
+                <a16:creationId xmlns:a16="http://schemas.microsoft.com/office/drawing/2014/main" id="{3611CB08-7555-D1AC-1713-78F213EC5F28}"/>
+              </a:ext>
+            </a:extLst>
+          </p:cNvPr>
+          <p:cNvSpPr txBox="1"/>
+          <p:nvPr/>
+        </p:nvSpPr>
+        <p:spPr>
+          <a:xfrm>
+            <a:off x="431055" y="4836759"/>
+            <a:ext cx="1153331" cy="369332"/>
+          </a:xfrm>
+          <a:prstGeom prst="rect">
+            <a:avLst/>
+          </a:prstGeom>
+          <a:noFill/>
+        </p:spPr>
+        <p:txBody>
+          <a:bodyPr wrap="square" rtlCol="0">
+            <a:spAutoFit/>
+          </a:bodyPr>
+          <a:lstStyle/>
+          <a:p>
+            <a:r>
+              <a:rPr lang="en-US" dirty="0">
+                <a:solidFill>
+                  <a:schemeClr val="bg1"/>
+                </a:solidFill>
+                <a:latin typeface="Open Sans" pitchFamily="2" charset="0"/>
+                <a:ea typeface="Open Sans" pitchFamily="2" charset="0"/>
+                <a:cs typeface="Open Sans" pitchFamily="2" charset="0"/>
+              </a:rPr>
+              <a:t>Filters</a:t>
+            </a:r>
+          </a:p>
+        </p:txBody>
+      </p:sp>
+      <p:sp>
+        <p:nvSpPr>
+          <p:cNvPr id="15" name="Rectangle: Rounded Corners 14">
+            <a:extLst>
+              <a:ext uri="{FF2B5EF4-FFF2-40B4-BE49-F238E27FC236}">
+                <a16:creationId xmlns:a16="http://schemas.microsoft.com/office/drawing/2014/main" id="{B8111522-B7D9-6BCF-5432-8E5788B9F4A5}"/>
+              </a:ext>
+            </a:extLst>
+          </p:cNvPr>
+          <p:cNvSpPr/>
+          <p:nvPr/>
+        </p:nvSpPr>
+        <p:spPr>
+          <a:xfrm>
+            <a:off x="2495366" y="1877889"/>
+            <a:ext cx="5942456" cy="4512462"/>
+          </a:xfrm>
+          <a:prstGeom prst="roundRect">
+            <a:avLst>
+              <a:gd name="adj" fmla="val 11596"/>
+            </a:avLst>
+          </a:prstGeom>
+          <a:solidFill>
+            <a:schemeClr val="bg1"/>
+          </a:solidFill>
+          <a:ln>
+            <a:noFill/>
+          </a:ln>
+          <a:effectLst>
+            <a:outerShdw blurRad="63500" sx="102000" sy="102000" algn="ctr" rotWithShape="0">
+              <a:prstClr val="black">
+                <a:alpha val="10000"/>
+              </a:prstClr>
+            </a:outerShdw>
+          </a:effectLst>
+        </p:spPr>
+        <p:style>
+          <a:lnRef idx="2">
+            <a:schemeClr val="accent1">
+              <a:shade val="15000"/>
+            </a:schemeClr>
+          </a:lnRef>
+          <a:fillRef idx="1">
+            <a:schemeClr val="accent1"/>
+          </a:fillRef>
+          <a:effectRef idx="0">
+            <a:schemeClr val="accent1"/>
+          </a:effectRef>
+          <a:fontRef idx="minor">
+            <a:schemeClr val="lt1"/>
+          </a:fontRef>
+        </p:style>
+        <p:txBody>
+          <a:bodyPr rtlCol="0" anchor="ctr"/>
+          <a:lstStyle/>
+          <a:p>
+            <a:pPr algn="ctr"/>
+            <a:endParaRPr lang="en-US" sz="2082"/>
+          </a:p>
+        </p:txBody>
+      </p:sp>
+    </p:spTree>
+    <p:extLst>
+      <p:ext uri="{BB962C8B-B14F-4D97-AF65-F5344CB8AC3E}">
+        <p14:creationId xmlns:p14="http://schemas.microsoft.com/office/powerpoint/2010/main" val="3077991334"/>
       </p:ext>
     </p:extLst>
   </p:cSld>
